--- a/Figures/PlayingAroundWithHubs.pptx
+++ b/Figures/PlayingAroundWithHubs.pptx
@@ -13,6 +13,7 @@
     <p:sldId id="262" r:id="rId7"/>
     <p:sldId id="263" r:id="rId8"/>
     <p:sldId id="264" r:id="rId9"/>
+    <p:sldId id="265" r:id="rId10"/>
   </p:sldIdLst>
   <p:sldSz cx="12192000" cy="6858000"/>
   <p:notesSz cx="6858000" cy="9144000"/>
@@ -266,7 +267,7 @@
           <a:p>
             <a:fld id="{EF85D3E6-8DBD-40D8-8E98-DE404A5510D9}" type="datetimeFigureOut">
               <a:rPr lang="en-US" smtClean="0"/>
-              <a:t>9/12/2023</a:t>
+              <a:t>9/15/2023</a:t>
             </a:fld>
             <a:endParaRPr lang="en-US"/>
           </a:p>
@@ -464,7 +465,7 @@
           <a:p>
             <a:fld id="{EF85D3E6-8DBD-40D8-8E98-DE404A5510D9}" type="datetimeFigureOut">
               <a:rPr lang="en-US" smtClean="0"/>
-              <a:t>9/12/2023</a:t>
+              <a:t>9/15/2023</a:t>
             </a:fld>
             <a:endParaRPr lang="en-US"/>
           </a:p>
@@ -672,7 +673,7 @@
           <a:p>
             <a:fld id="{EF85D3E6-8DBD-40D8-8E98-DE404A5510D9}" type="datetimeFigureOut">
               <a:rPr lang="en-US" smtClean="0"/>
-              <a:t>9/12/2023</a:t>
+              <a:t>9/15/2023</a:t>
             </a:fld>
             <a:endParaRPr lang="en-US"/>
           </a:p>
@@ -870,7 +871,7 @@
           <a:p>
             <a:fld id="{EF85D3E6-8DBD-40D8-8E98-DE404A5510D9}" type="datetimeFigureOut">
               <a:rPr lang="en-US" smtClean="0"/>
-              <a:t>9/12/2023</a:t>
+              <a:t>9/15/2023</a:t>
             </a:fld>
             <a:endParaRPr lang="en-US"/>
           </a:p>
@@ -1145,7 +1146,7 @@
           <a:p>
             <a:fld id="{EF85D3E6-8DBD-40D8-8E98-DE404A5510D9}" type="datetimeFigureOut">
               <a:rPr lang="en-US" smtClean="0"/>
-              <a:t>9/12/2023</a:t>
+              <a:t>9/15/2023</a:t>
             </a:fld>
             <a:endParaRPr lang="en-US"/>
           </a:p>
@@ -1410,7 +1411,7 @@
           <a:p>
             <a:fld id="{EF85D3E6-8DBD-40D8-8E98-DE404A5510D9}" type="datetimeFigureOut">
               <a:rPr lang="en-US" smtClean="0"/>
-              <a:t>9/12/2023</a:t>
+              <a:t>9/15/2023</a:t>
             </a:fld>
             <a:endParaRPr lang="en-US"/>
           </a:p>
@@ -1822,7 +1823,7 @@
           <a:p>
             <a:fld id="{EF85D3E6-8DBD-40D8-8E98-DE404A5510D9}" type="datetimeFigureOut">
               <a:rPr lang="en-US" smtClean="0"/>
-              <a:t>9/12/2023</a:t>
+              <a:t>9/15/2023</a:t>
             </a:fld>
             <a:endParaRPr lang="en-US"/>
           </a:p>
@@ -1963,7 +1964,7 @@
           <a:p>
             <a:fld id="{EF85D3E6-8DBD-40D8-8E98-DE404A5510D9}" type="datetimeFigureOut">
               <a:rPr lang="en-US" smtClean="0"/>
-              <a:t>9/12/2023</a:t>
+              <a:t>9/15/2023</a:t>
             </a:fld>
             <a:endParaRPr lang="en-US"/>
           </a:p>
@@ -2076,7 +2077,7 @@
           <a:p>
             <a:fld id="{EF85D3E6-8DBD-40D8-8E98-DE404A5510D9}" type="datetimeFigureOut">
               <a:rPr lang="en-US" smtClean="0"/>
-              <a:t>9/12/2023</a:t>
+              <a:t>9/15/2023</a:t>
             </a:fld>
             <a:endParaRPr lang="en-US"/>
           </a:p>
@@ -2387,7 +2388,7 @@
           <a:p>
             <a:fld id="{EF85D3E6-8DBD-40D8-8E98-DE404A5510D9}" type="datetimeFigureOut">
               <a:rPr lang="en-US" smtClean="0"/>
-              <a:t>9/12/2023</a:t>
+              <a:t>9/15/2023</a:t>
             </a:fld>
             <a:endParaRPr lang="en-US"/>
           </a:p>
@@ -2675,7 +2676,7 @@
           <a:p>
             <a:fld id="{EF85D3E6-8DBD-40D8-8E98-DE404A5510D9}" type="datetimeFigureOut">
               <a:rPr lang="en-US" smtClean="0"/>
-              <a:t>9/12/2023</a:t>
+              <a:t>9/15/2023</a:t>
             </a:fld>
             <a:endParaRPr lang="en-US"/>
           </a:p>
@@ -2916,7 +2917,7 @@
           <a:p>
             <a:fld id="{EF85D3E6-8DBD-40D8-8E98-DE404A5510D9}" type="datetimeFigureOut">
               <a:rPr lang="en-US" smtClean="0"/>
-              <a:t>9/12/2023</a:t>
+              <a:t>9/15/2023</a:t>
             </a:fld>
             <a:endParaRPr lang="en-US"/>
           </a:p>
@@ -7376,6 +7377,915 @@
 </p:sld>
 </file>
 
+<file path=ppt/slides/slide9.xml><?xml version="1.0" encoding="utf-8"?>
+<p:sld xmlns:a="http://schemas.openxmlformats.org/drawingml/2006/main" xmlns:r="http://schemas.openxmlformats.org/officeDocument/2006/relationships" xmlns:p="http://schemas.openxmlformats.org/presentationml/2006/main">
+  <p:cSld>
+    <p:spTree>
+      <p:nvGrpSpPr>
+        <p:cNvPr id="1" name=""/>
+        <p:cNvGrpSpPr/>
+        <p:nvPr/>
+      </p:nvGrpSpPr>
+      <p:grpSpPr>
+        <a:xfrm>
+          <a:off x="0" y="0"/>
+          <a:ext cx="0" cy="0"/>
+          <a:chOff x="0" y="0"/>
+          <a:chExt cx="0" cy="0"/>
+        </a:xfrm>
+      </p:grpSpPr>
+      <p:pic>
+        <p:nvPicPr>
+          <p:cNvPr id="5" name="Picture 4">
+            <a:extLst>
+              <a:ext uri="{FF2B5EF4-FFF2-40B4-BE49-F238E27FC236}">
+                <a16:creationId xmlns:a16="http://schemas.microsoft.com/office/drawing/2014/main" id="{19B1BD64-C68E-EBA0-BC05-DA52631F6DEB}"/>
+              </a:ext>
+            </a:extLst>
+          </p:cNvPr>
+          <p:cNvPicPr>
+            <a:picLocks noChangeAspect="1"/>
+          </p:cNvPicPr>
+          <p:nvPr/>
+        </p:nvPicPr>
+        <p:blipFill>
+          <a:blip r:embed="rId2">
+            <a:extLst>
+              <a:ext uri="{28A0092B-C50C-407E-A947-70E740481C1C}">
+                <a14:useLocalDpi xmlns:a14="http://schemas.microsoft.com/office/drawing/2010/main" val="0"/>
+              </a:ext>
+            </a:extLst>
+          </a:blip>
+          <a:stretch>
+            <a:fillRect/>
+          </a:stretch>
+        </p:blipFill>
+        <p:spPr>
+          <a:xfrm>
+            <a:off x="1247007" y="0"/>
+            <a:ext cx="9697986" cy="6858000"/>
+          </a:xfrm>
+          <a:prstGeom prst="rect">
+            <a:avLst/>
+          </a:prstGeom>
+        </p:spPr>
+      </p:pic>
+      <p:sp>
+        <p:nvSpPr>
+          <p:cNvPr id="3" name="Rectangle 2">
+            <a:extLst>
+              <a:ext uri="{FF2B5EF4-FFF2-40B4-BE49-F238E27FC236}">
+                <a16:creationId xmlns:a16="http://schemas.microsoft.com/office/drawing/2014/main" id="{20357C85-A48C-3DD5-9C8A-32D5D93573C4}"/>
+              </a:ext>
+            </a:extLst>
+          </p:cNvPr>
+          <p:cNvSpPr/>
+          <p:nvPr/>
+        </p:nvSpPr>
+        <p:spPr>
+          <a:xfrm>
+            <a:off x="3523126" y="1277470"/>
+            <a:ext cx="336176" cy="336177"/>
+          </a:xfrm>
+          <a:prstGeom prst="rect">
+            <a:avLst/>
+          </a:prstGeom>
+          <a:solidFill>
+            <a:schemeClr val="accent1">
+              <a:lumMod val="20000"/>
+              <a:lumOff val="80000"/>
+            </a:schemeClr>
+          </a:solidFill>
+          <a:ln w="19050">
+            <a:solidFill>
+              <a:schemeClr val="tx1"/>
+            </a:solidFill>
+          </a:ln>
+        </p:spPr>
+        <p:style>
+          <a:lnRef idx="2">
+            <a:schemeClr val="accent1">
+              <a:shade val="15000"/>
+            </a:schemeClr>
+          </a:lnRef>
+          <a:fillRef idx="1">
+            <a:schemeClr val="accent1"/>
+          </a:fillRef>
+          <a:effectRef idx="0">
+            <a:schemeClr val="accent1"/>
+          </a:effectRef>
+          <a:fontRef idx="minor">
+            <a:schemeClr val="lt1"/>
+          </a:fontRef>
+        </p:style>
+        <p:txBody>
+          <a:bodyPr rtlCol="0" anchor="ctr"/>
+          <a:lstStyle/>
+          <a:p>
+            <a:pPr algn="ctr"/>
+            <a:r>
+              <a:rPr lang="en-US" dirty="0">
+                <a:solidFill>
+                  <a:schemeClr val="tx1"/>
+                </a:solidFill>
+                <a:latin typeface="Arial" panose="020B0604020202020204" pitchFamily="34" charset="0"/>
+                <a:cs typeface="Arial" panose="020B0604020202020204" pitchFamily="34" charset="0"/>
+              </a:rPr>
+              <a:t>A</a:t>
+            </a:r>
+          </a:p>
+        </p:txBody>
+      </p:sp>
+      <p:sp>
+        <p:nvSpPr>
+          <p:cNvPr id="4" name="Rectangle 3">
+            <a:extLst>
+              <a:ext uri="{FF2B5EF4-FFF2-40B4-BE49-F238E27FC236}">
+                <a16:creationId xmlns:a16="http://schemas.microsoft.com/office/drawing/2014/main" id="{B2F94B05-B56F-CD02-675E-28B9DF26FE7C}"/>
+              </a:ext>
+            </a:extLst>
+          </p:cNvPr>
+          <p:cNvSpPr/>
+          <p:nvPr/>
+        </p:nvSpPr>
+        <p:spPr>
+          <a:xfrm>
+            <a:off x="5020229" y="1456764"/>
+            <a:ext cx="336176" cy="336177"/>
+          </a:xfrm>
+          <a:prstGeom prst="rect">
+            <a:avLst/>
+          </a:prstGeom>
+          <a:solidFill>
+            <a:schemeClr val="accent1">
+              <a:lumMod val="20000"/>
+              <a:lumOff val="80000"/>
+            </a:schemeClr>
+          </a:solidFill>
+          <a:ln w="19050">
+            <a:solidFill>
+              <a:schemeClr val="tx1"/>
+            </a:solidFill>
+          </a:ln>
+        </p:spPr>
+        <p:style>
+          <a:lnRef idx="2">
+            <a:schemeClr val="accent1">
+              <a:shade val="15000"/>
+            </a:schemeClr>
+          </a:lnRef>
+          <a:fillRef idx="1">
+            <a:schemeClr val="accent1"/>
+          </a:fillRef>
+          <a:effectRef idx="0">
+            <a:schemeClr val="accent1"/>
+          </a:effectRef>
+          <a:fontRef idx="minor">
+            <a:schemeClr val="lt1"/>
+          </a:fontRef>
+        </p:style>
+        <p:txBody>
+          <a:bodyPr rtlCol="0" anchor="ctr"/>
+          <a:lstStyle/>
+          <a:p>
+            <a:pPr algn="ctr"/>
+            <a:r>
+              <a:rPr lang="en-US" dirty="0">
+                <a:solidFill>
+                  <a:schemeClr val="tx1"/>
+                </a:solidFill>
+                <a:latin typeface="Arial" panose="020B0604020202020204" pitchFamily="34" charset="0"/>
+                <a:cs typeface="Arial" panose="020B0604020202020204" pitchFamily="34" charset="0"/>
+              </a:rPr>
+              <a:t>C</a:t>
+            </a:r>
+          </a:p>
+        </p:txBody>
+      </p:sp>
+      <p:sp>
+        <p:nvSpPr>
+          <p:cNvPr id="15" name="Rectangle 14">
+            <a:extLst>
+              <a:ext uri="{FF2B5EF4-FFF2-40B4-BE49-F238E27FC236}">
+                <a16:creationId xmlns:a16="http://schemas.microsoft.com/office/drawing/2014/main" id="{19709F21-180E-F424-64B4-C2FA242972D7}"/>
+              </a:ext>
+            </a:extLst>
+          </p:cNvPr>
+          <p:cNvSpPr/>
+          <p:nvPr/>
+        </p:nvSpPr>
+        <p:spPr>
+          <a:xfrm>
+            <a:off x="3899645" y="1882585"/>
+            <a:ext cx="336176" cy="336177"/>
+          </a:xfrm>
+          <a:prstGeom prst="rect">
+            <a:avLst/>
+          </a:prstGeom>
+          <a:solidFill>
+            <a:schemeClr val="accent1">
+              <a:lumMod val="20000"/>
+              <a:lumOff val="80000"/>
+            </a:schemeClr>
+          </a:solidFill>
+          <a:ln w="19050">
+            <a:solidFill>
+              <a:schemeClr val="tx1"/>
+            </a:solidFill>
+          </a:ln>
+        </p:spPr>
+        <p:style>
+          <a:lnRef idx="2">
+            <a:schemeClr val="accent1">
+              <a:shade val="15000"/>
+            </a:schemeClr>
+          </a:lnRef>
+          <a:fillRef idx="1">
+            <a:schemeClr val="accent1"/>
+          </a:fillRef>
+          <a:effectRef idx="0">
+            <a:schemeClr val="accent1"/>
+          </a:effectRef>
+          <a:fontRef idx="minor">
+            <a:schemeClr val="lt1"/>
+          </a:fontRef>
+        </p:style>
+        <p:txBody>
+          <a:bodyPr rtlCol="0" anchor="ctr"/>
+          <a:lstStyle/>
+          <a:p>
+            <a:pPr algn="ctr"/>
+            <a:r>
+              <a:rPr lang="en-US" dirty="0">
+                <a:solidFill>
+                  <a:schemeClr val="tx1"/>
+                </a:solidFill>
+                <a:latin typeface="Arial" panose="020B0604020202020204" pitchFamily="34" charset="0"/>
+                <a:cs typeface="Arial" panose="020B0604020202020204" pitchFamily="34" charset="0"/>
+              </a:rPr>
+              <a:t>B</a:t>
+            </a:r>
+          </a:p>
+        </p:txBody>
+      </p:sp>
+      <p:sp>
+        <p:nvSpPr>
+          <p:cNvPr id="16" name="Rectangle 15">
+            <a:extLst>
+              <a:ext uri="{FF2B5EF4-FFF2-40B4-BE49-F238E27FC236}">
+                <a16:creationId xmlns:a16="http://schemas.microsoft.com/office/drawing/2014/main" id="{D643F94C-B6D0-E8D9-6683-9A2E6C701696}"/>
+              </a:ext>
+            </a:extLst>
+          </p:cNvPr>
+          <p:cNvSpPr/>
+          <p:nvPr/>
+        </p:nvSpPr>
+        <p:spPr>
+          <a:xfrm>
+            <a:off x="3052479" y="2675968"/>
+            <a:ext cx="336176" cy="336177"/>
+          </a:xfrm>
+          <a:prstGeom prst="rect">
+            <a:avLst/>
+          </a:prstGeom>
+          <a:solidFill>
+            <a:schemeClr val="accent1">
+              <a:lumMod val="20000"/>
+              <a:lumOff val="80000"/>
+            </a:schemeClr>
+          </a:solidFill>
+          <a:ln w="19050">
+            <a:solidFill>
+              <a:schemeClr val="tx1"/>
+            </a:solidFill>
+          </a:ln>
+        </p:spPr>
+        <p:style>
+          <a:lnRef idx="2">
+            <a:schemeClr val="accent1">
+              <a:shade val="15000"/>
+            </a:schemeClr>
+          </a:lnRef>
+          <a:fillRef idx="1">
+            <a:schemeClr val="accent1"/>
+          </a:fillRef>
+          <a:effectRef idx="0">
+            <a:schemeClr val="accent1"/>
+          </a:effectRef>
+          <a:fontRef idx="minor">
+            <a:schemeClr val="lt1"/>
+          </a:fontRef>
+        </p:style>
+        <p:txBody>
+          <a:bodyPr rtlCol="0" anchor="ctr"/>
+          <a:lstStyle/>
+          <a:p>
+            <a:pPr algn="ctr"/>
+            <a:r>
+              <a:rPr lang="en-US" dirty="0">
+                <a:solidFill>
+                  <a:schemeClr val="tx1"/>
+                </a:solidFill>
+                <a:latin typeface="Arial" panose="020B0604020202020204" pitchFamily="34" charset="0"/>
+                <a:cs typeface="Arial" panose="020B0604020202020204" pitchFamily="34" charset="0"/>
+              </a:rPr>
+              <a:t>D</a:t>
+            </a:r>
+          </a:p>
+        </p:txBody>
+      </p:sp>
+      <p:sp>
+        <p:nvSpPr>
+          <p:cNvPr id="17" name="Rectangle 16">
+            <a:extLst>
+              <a:ext uri="{FF2B5EF4-FFF2-40B4-BE49-F238E27FC236}">
+                <a16:creationId xmlns:a16="http://schemas.microsoft.com/office/drawing/2014/main" id="{B1C54502-1E6D-91FD-7CBA-D18D0939D4B2}"/>
+              </a:ext>
+            </a:extLst>
+          </p:cNvPr>
+          <p:cNvSpPr/>
+          <p:nvPr/>
+        </p:nvSpPr>
+        <p:spPr>
+          <a:xfrm>
+            <a:off x="3648630" y="2976285"/>
+            <a:ext cx="336176" cy="336177"/>
+          </a:xfrm>
+          <a:prstGeom prst="rect">
+            <a:avLst/>
+          </a:prstGeom>
+          <a:solidFill>
+            <a:schemeClr val="accent1">
+              <a:lumMod val="20000"/>
+              <a:lumOff val="80000"/>
+            </a:schemeClr>
+          </a:solidFill>
+          <a:ln w="19050">
+            <a:solidFill>
+              <a:schemeClr val="tx1"/>
+            </a:solidFill>
+          </a:ln>
+        </p:spPr>
+        <p:style>
+          <a:lnRef idx="2">
+            <a:schemeClr val="accent1">
+              <a:shade val="15000"/>
+            </a:schemeClr>
+          </a:lnRef>
+          <a:fillRef idx="1">
+            <a:schemeClr val="accent1"/>
+          </a:fillRef>
+          <a:effectRef idx="0">
+            <a:schemeClr val="accent1"/>
+          </a:effectRef>
+          <a:fontRef idx="minor">
+            <a:schemeClr val="lt1"/>
+          </a:fontRef>
+        </p:style>
+        <p:txBody>
+          <a:bodyPr rtlCol="0" anchor="ctr"/>
+          <a:lstStyle/>
+          <a:p>
+            <a:pPr algn="ctr"/>
+            <a:r>
+              <a:rPr lang="en-US" dirty="0">
+                <a:solidFill>
+                  <a:schemeClr val="tx1"/>
+                </a:solidFill>
+                <a:latin typeface="Arial" panose="020B0604020202020204" pitchFamily="34" charset="0"/>
+                <a:cs typeface="Arial" panose="020B0604020202020204" pitchFamily="34" charset="0"/>
+              </a:rPr>
+              <a:t>E</a:t>
+            </a:r>
+          </a:p>
+        </p:txBody>
+      </p:sp>
+      <p:sp>
+        <p:nvSpPr>
+          <p:cNvPr id="18" name="Rectangle 17">
+            <a:extLst>
+              <a:ext uri="{FF2B5EF4-FFF2-40B4-BE49-F238E27FC236}">
+                <a16:creationId xmlns:a16="http://schemas.microsoft.com/office/drawing/2014/main" id="{8A87F576-656A-28DE-BF1B-FFEF99495F9E}"/>
+              </a:ext>
+            </a:extLst>
+          </p:cNvPr>
+          <p:cNvSpPr/>
+          <p:nvPr/>
+        </p:nvSpPr>
+        <p:spPr>
+          <a:xfrm>
+            <a:off x="5598452" y="2034995"/>
+            <a:ext cx="336176" cy="336177"/>
+          </a:xfrm>
+          <a:prstGeom prst="rect">
+            <a:avLst/>
+          </a:prstGeom>
+          <a:solidFill>
+            <a:schemeClr val="accent1">
+              <a:lumMod val="20000"/>
+              <a:lumOff val="80000"/>
+            </a:schemeClr>
+          </a:solidFill>
+          <a:ln w="19050">
+            <a:solidFill>
+              <a:schemeClr val="tx1"/>
+            </a:solidFill>
+          </a:ln>
+        </p:spPr>
+        <p:style>
+          <a:lnRef idx="2">
+            <a:schemeClr val="accent1">
+              <a:shade val="15000"/>
+            </a:schemeClr>
+          </a:lnRef>
+          <a:fillRef idx="1">
+            <a:schemeClr val="accent1"/>
+          </a:fillRef>
+          <a:effectRef idx="0">
+            <a:schemeClr val="accent1"/>
+          </a:effectRef>
+          <a:fontRef idx="minor">
+            <a:schemeClr val="lt1"/>
+          </a:fontRef>
+        </p:style>
+        <p:txBody>
+          <a:bodyPr rtlCol="0" anchor="ctr"/>
+          <a:lstStyle/>
+          <a:p>
+            <a:pPr algn="ctr"/>
+            <a:r>
+              <a:rPr lang="en-US" dirty="0">
+                <a:solidFill>
+                  <a:schemeClr val="tx1"/>
+                </a:solidFill>
+                <a:latin typeface="Arial" panose="020B0604020202020204" pitchFamily="34" charset="0"/>
+                <a:cs typeface="Arial" panose="020B0604020202020204" pitchFamily="34" charset="0"/>
+              </a:rPr>
+              <a:t>F</a:t>
+            </a:r>
+          </a:p>
+        </p:txBody>
+      </p:sp>
+      <p:sp>
+        <p:nvSpPr>
+          <p:cNvPr id="19" name="Rectangle 18">
+            <a:extLst>
+              <a:ext uri="{FF2B5EF4-FFF2-40B4-BE49-F238E27FC236}">
+                <a16:creationId xmlns:a16="http://schemas.microsoft.com/office/drawing/2014/main" id="{2B1B30F1-668B-7094-EE66-B963CAC2B8DF}"/>
+              </a:ext>
+            </a:extLst>
+          </p:cNvPr>
+          <p:cNvSpPr/>
+          <p:nvPr/>
+        </p:nvSpPr>
+        <p:spPr>
+          <a:xfrm>
+            <a:off x="6620431" y="3514165"/>
+            <a:ext cx="336176" cy="336177"/>
+          </a:xfrm>
+          <a:prstGeom prst="rect">
+            <a:avLst/>
+          </a:prstGeom>
+          <a:solidFill>
+            <a:schemeClr val="accent1">
+              <a:lumMod val="20000"/>
+              <a:lumOff val="80000"/>
+            </a:schemeClr>
+          </a:solidFill>
+          <a:ln w="19050">
+            <a:solidFill>
+              <a:schemeClr val="tx1"/>
+            </a:solidFill>
+          </a:ln>
+        </p:spPr>
+        <p:style>
+          <a:lnRef idx="2">
+            <a:schemeClr val="accent1">
+              <a:shade val="15000"/>
+            </a:schemeClr>
+          </a:lnRef>
+          <a:fillRef idx="1">
+            <a:schemeClr val="accent1"/>
+          </a:fillRef>
+          <a:effectRef idx="0">
+            <a:schemeClr val="accent1"/>
+          </a:effectRef>
+          <a:fontRef idx="minor">
+            <a:schemeClr val="lt1"/>
+          </a:fontRef>
+        </p:style>
+        <p:txBody>
+          <a:bodyPr rtlCol="0" anchor="ctr"/>
+          <a:lstStyle/>
+          <a:p>
+            <a:pPr algn="ctr"/>
+            <a:r>
+              <a:rPr lang="en-US" dirty="0">
+                <a:solidFill>
+                  <a:schemeClr val="tx1"/>
+                </a:solidFill>
+                <a:latin typeface="Arial" panose="020B0604020202020204" pitchFamily="34" charset="0"/>
+                <a:cs typeface="Arial" panose="020B0604020202020204" pitchFamily="34" charset="0"/>
+              </a:rPr>
+              <a:t>G</a:t>
+            </a:r>
+          </a:p>
+        </p:txBody>
+      </p:sp>
+      <p:sp>
+        <p:nvSpPr>
+          <p:cNvPr id="20" name="Rectangle 19">
+            <a:extLst>
+              <a:ext uri="{FF2B5EF4-FFF2-40B4-BE49-F238E27FC236}">
+                <a16:creationId xmlns:a16="http://schemas.microsoft.com/office/drawing/2014/main" id="{2E1560ED-06FE-7F2C-7848-8A30C7D72153}"/>
+              </a:ext>
+            </a:extLst>
+          </p:cNvPr>
+          <p:cNvSpPr/>
+          <p:nvPr/>
+        </p:nvSpPr>
+        <p:spPr>
+          <a:xfrm>
+            <a:off x="6889375" y="4199963"/>
+            <a:ext cx="336176" cy="336177"/>
+          </a:xfrm>
+          <a:prstGeom prst="rect">
+            <a:avLst/>
+          </a:prstGeom>
+          <a:solidFill>
+            <a:schemeClr val="accent1">
+              <a:lumMod val="20000"/>
+              <a:lumOff val="80000"/>
+            </a:schemeClr>
+          </a:solidFill>
+          <a:ln w="19050">
+            <a:solidFill>
+              <a:schemeClr val="tx1"/>
+            </a:solidFill>
+          </a:ln>
+        </p:spPr>
+        <p:style>
+          <a:lnRef idx="2">
+            <a:schemeClr val="accent1">
+              <a:shade val="15000"/>
+            </a:schemeClr>
+          </a:lnRef>
+          <a:fillRef idx="1">
+            <a:schemeClr val="accent1"/>
+          </a:fillRef>
+          <a:effectRef idx="0">
+            <a:schemeClr val="accent1"/>
+          </a:effectRef>
+          <a:fontRef idx="minor">
+            <a:schemeClr val="lt1"/>
+          </a:fontRef>
+        </p:style>
+        <p:txBody>
+          <a:bodyPr rtlCol="0" anchor="ctr"/>
+          <a:lstStyle/>
+          <a:p>
+            <a:pPr algn="ctr"/>
+            <a:r>
+              <a:rPr lang="en-US" dirty="0">
+                <a:solidFill>
+                  <a:schemeClr val="tx1"/>
+                </a:solidFill>
+                <a:latin typeface="Arial" panose="020B0604020202020204" pitchFamily="34" charset="0"/>
+                <a:cs typeface="Arial" panose="020B0604020202020204" pitchFamily="34" charset="0"/>
+              </a:rPr>
+              <a:t>H</a:t>
+            </a:r>
+          </a:p>
+        </p:txBody>
+      </p:sp>
+      <p:sp>
+        <p:nvSpPr>
+          <p:cNvPr id="21" name="Rectangle 20">
+            <a:extLst>
+              <a:ext uri="{FF2B5EF4-FFF2-40B4-BE49-F238E27FC236}">
+                <a16:creationId xmlns:a16="http://schemas.microsoft.com/office/drawing/2014/main" id="{692BE951-5019-3466-6CC3-C05FE6F28BD7}"/>
+              </a:ext>
+            </a:extLst>
+          </p:cNvPr>
+          <p:cNvSpPr/>
+          <p:nvPr/>
+        </p:nvSpPr>
+        <p:spPr>
+          <a:xfrm>
+            <a:off x="8704732" y="4482350"/>
+            <a:ext cx="336176" cy="336177"/>
+          </a:xfrm>
+          <a:prstGeom prst="rect">
+            <a:avLst/>
+          </a:prstGeom>
+          <a:solidFill>
+            <a:schemeClr val="accent1">
+              <a:lumMod val="20000"/>
+              <a:lumOff val="80000"/>
+            </a:schemeClr>
+          </a:solidFill>
+          <a:ln w="19050">
+            <a:solidFill>
+              <a:schemeClr val="tx1"/>
+            </a:solidFill>
+          </a:ln>
+        </p:spPr>
+        <p:style>
+          <a:lnRef idx="2">
+            <a:schemeClr val="accent1">
+              <a:shade val="15000"/>
+            </a:schemeClr>
+          </a:lnRef>
+          <a:fillRef idx="1">
+            <a:schemeClr val="accent1"/>
+          </a:fillRef>
+          <a:effectRef idx="0">
+            <a:schemeClr val="accent1"/>
+          </a:effectRef>
+          <a:fontRef idx="minor">
+            <a:schemeClr val="lt1"/>
+          </a:fontRef>
+        </p:style>
+        <p:txBody>
+          <a:bodyPr rtlCol="0" anchor="ctr"/>
+          <a:lstStyle/>
+          <a:p>
+            <a:pPr algn="ctr"/>
+            <a:r>
+              <a:rPr lang="en-US" dirty="0">
+                <a:solidFill>
+                  <a:schemeClr val="tx1"/>
+                </a:solidFill>
+                <a:latin typeface="Arial" panose="020B0604020202020204" pitchFamily="34" charset="0"/>
+                <a:cs typeface="Arial" panose="020B0604020202020204" pitchFamily="34" charset="0"/>
+              </a:rPr>
+              <a:t>I</a:t>
+            </a:r>
+          </a:p>
+        </p:txBody>
+      </p:sp>
+      <p:sp>
+        <p:nvSpPr>
+          <p:cNvPr id="22" name="Rectangle 21">
+            <a:extLst>
+              <a:ext uri="{FF2B5EF4-FFF2-40B4-BE49-F238E27FC236}">
+                <a16:creationId xmlns:a16="http://schemas.microsoft.com/office/drawing/2014/main" id="{6B57D891-D888-5AF1-9FBF-19C41326521D}"/>
+              </a:ext>
+            </a:extLst>
+          </p:cNvPr>
+          <p:cNvSpPr/>
+          <p:nvPr/>
+        </p:nvSpPr>
+        <p:spPr>
+          <a:xfrm>
+            <a:off x="8408894" y="5800166"/>
+            <a:ext cx="336176" cy="336177"/>
+          </a:xfrm>
+          <a:prstGeom prst="rect">
+            <a:avLst/>
+          </a:prstGeom>
+          <a:solidFill>
+            <a:schemeClr val="accent1">
+              <a:lumMod val="20000"/>
+              <a:lumOff val="80000"/>
+            </a:schemeClr>
+          </a:solidFill>
+          <a:ln w="19050">
+            <a:solidFill>
+              <a:schemeClr val="tx1"/>
+            </a:solidFill>
+          </a:ln>
+        </p:spPr>
+        <p:style>
+          <a:lnRef idx="2">
+            <a:schemeClr val="accent1">
+              <a:shade val="15000"/>
+            </a:schemeClr>
+          </a:lnRef>
+          <a:fillRef idx="1">
+            <a:schemeClr val="accent1"/>
+          </a:fillRef>
+          <a:effectRef idx="0">
+            <a:schemeClr val="accent1"/>
+          </a:effectRef>
+          <a:fontRef idx="minor">
+            <a:schemeClr val="lt1"/>
+          </a:fontRef>
+        </p:style>
+        <p:txBody>
+          <a:bodyPr rtlCol="0" anchor="ctr"/>
+          <a:lstStyle/>
+          <a:p>
+            <a:pPr algn="ctr"/>
+            <a:r>
+              <a:rPr lang="en-US" dirty="0">
+                <a:solidFill>
+                  <a:schemeClr val="tx1"/>
+                </a:solidFill>
+                <a:latin typeface="Arial" panose="020B0604020202020204" pitchFamily="34" charset="0"/>
+                <a:cs typeface="Arial" panose="020B0604020202020204" pitchFamily="34" charset="0"/>
+              </a:rPr>
+              <a:t>J</a:t>
+            </a:r>
+          </a:p>
+        </p:txBody>
+      </p:sp>
+      <p:sp>
+        <p:nvSpPr>
+          <p:cNvPr id="23" name="TextBox 22">
+            <a:extLst>
+              <a:ext uri="{FF2B5EF4-FFF2-40B4-BE49-F238E27FC236}">
+                <a16:creationId xmlns:a16="http://schemas.microsoft.com/office/drawing/2014/main" id="{E205284D-ED76-AC51-D806-9F3E83ACDC21}"/>
+              </a:ext>
+            </a:extLst>
+          </p:cNvPr>
+          <p:cNvSpPr txBox="1"/>
+          <p:nvPr/>
+        </p:nvSpPr>
+        <p:spPr>
+          <a:xfrm>
+            <a:off x="7363590" y="1367917"/>
+            <a:ext cx="3247060" cy="2616101"/>
+          </a:xfrm>
+          <a:prstGeom prst="rect">
+            <a:avLst/>
+          </a:prstGeom>
+          <a:solidFill>
+            <a:schemeClr val="accent1">
+              <a:lumMod val="20000"/>
+              <a:lumOff val="80000"/>
+            </a:schemeClr>
+          </a:solidFill>
+        </p:spPr>
+        <p:txBody>
+          <a:bodyPr wrap="square" rtlCol="0">
+            <a:spAutoFit/>
+          </a:bodyPr>
+          <a:lstStyle/>
+          <a:p>
+            <a:pPr marL="342900" indent="-342900">
+              <a:buAutoNum type="alphaUcParenR"/>
+            </a:pPr>
+            <a:r>
+              <a:rPr lang="en-US" sz="1600" dirty="0">
+                <a:latin typeface="Arial" panose="020B0604020202020204" pitchFamily="34" charset="0"/>
+                <a:cs typeface="Arial" panose="020B0604020202020204" pitchFamily="34" charset="0"/>
+              </a:rPr>
+              <a:t>Maya-Montebello</a:t>
+            </a:r>
+          </a:p>
+          <a:p>
+            <a:r>
+              <a:rPr lang="en-US" sz="1600" dirty="0">
+                <a:latin typeface="Arial" panose="020B0604020202020204" pitchFamily="34" charset="0"/>
+                <a:cs typeface="Arial" panose="020B0604020202020204" pitchFamily="34" charset="0"/>
+              </a:rPr>
+              <a:t>B) ?</a:t>
+            </a:r>
+          </a:p>
+          <a:p>
+            <a:pPr marL="342900" indent="-342900">
+              <a:buAutoNum type="alphaUcParenR" startAt="3"/>
+            </a:pPr>
+            <a:r>
+              <a:rPr lang="en-US" sz="1600" dirty="0" err="1">
+                <a:latin typeface="Arial" panose="020B0604020202020204" pitchFamily="34" charset="0"/>
+                <a:cs typeface="Arial" panose="020B0604020202020204" pitchFamily="34" charset="0"/>
+              </a:rPr>
+              <a:t>Chiquibui</a:t>
+            </a:r>
+            <a:r>
+              <a:rPr lang="en-US" sz="1600" dirty="0">
+                <a:latin typeface="Arial" panose="020B0604020202020204" pitchFamily="34" charset="0"/>
+                <a:cs typeface="Arial" panose="020B0604020202020204" pitchFamily="34" charset="0"/>
+              </a:rPr>
+              <a:t>-Las Minas</a:t>
+            </a:r>
+          </a:p>
+          <a:p>
+            <a:pPr marL="342900" indent="-342900">
+              <a:buAutoNum type="alphaUcParenR" startAt="3"/>
+            </a:pPr>
+            <a:r>
+              <a:rPr lang="en-US" sz="1600" dirty="0">
+                <a:latin typeface="Arial" panose="020B0604020202020204" pitchFamily="34" charset="0"/>
+                <a:cs typeface="Arial" panose="020B0604020202020204" pitchFamily="34" charset="0"/>
+              </a:rPr>
+              <a:t>?</a:t>
+            </a:r>
+          </a:p>
+          <a:p>
+            <a:pPr marL="342900" indent="-342900">
+              <a:buAutoNum type="alphaUcParenR" startAt="3"/>
+            </a:pPr>
+            <a:r>
+              <a:rPr lang="en-US" sz="1600" dirty="0">
+                <a:latin typeface="Arial" panose="020B0604020202020204" pitchFamily="34" charset="0"/>
+                <a:cs typeface="Arial" panose="020B0604020202020204" pitchFamily="34" charset="0"/>
+              </a:rPr>
+              <a:t>?</a:t>
+            </a:r>
+          </a:p>
+          <a:p>
+            <a:pPr marL="342900" indent="-342900">
+              <a:buAutoNum type="alphaUcParenR" startAt="3"/>
+            </a:pPr>
+            <a:r>
+              <a:rPr lang="en-US" sz="1600" dirty="0" err="1">
+                <a:latin typeface="Arial" panose="020B0604020202020204" pitchFamily="34" charset="0"/>
+                <a:cs typeface="Arial" panose="020B0604020202020204" pitchFamily="34" charset="0"/>
+              </a:rPr>
+              <a:t>Platano-Agalta</a:t>
+            </a:r>
+            <a:endParaRPr lang="en-US" sz="1600" dirty="0">
+              <a:latin typeface="Arial" panose="020B0604020202020204" pitchFamily="34" charset="0"/>
+              <a:cs typeface="Arial" panose="020B0604020202020204" pitchFamily="34" charset="0"/>
+            </a:endParaRPr>
+          </a:p>
+          <a:p>
+            <a:pPr marL="342900" indent="-342900">
+              <a:buAutoNum type="alphaUcParenR" startAt="3"/>
+            </a:pPr>
+            <a:r>
+              <a:rPr lang="en-US" sz="1600" dirty="0">
+                <a:latin typeface="Arial" panose="020B0604020202020204" pitchFamily="34" charset="0"/>
+                <a:cs typeface="Arial" panose="020B0604020202020204" pitchFamily="34" charset="0"/>
+              </a:rPr>
+              <a:t>Indo </a:t>
+            </a:r>
+            <a:r>
+              <a:rPr lang="en-US" sz="1600" dirty="0" err="1">
+                <a:latin typeface="Arial" panose="020B0604020202020204" pitchFamily="34" charset="0"/>
+                <a:cs typeface="Arial" panose="020B0604020202020204" pitchFamily="34" charset="0"/>
+              </a:rPr>
+              <a:t>Maiz</a:t>
+            </a:r>
+            <a:r>
+              <a:rPr lang="en-US" sz="1600" dirty="0">
+                <a:latin typeface="Arial" panose="020B0604020202020204" pitchFamily="34" charset="0"/>
+                <a:cs typeface="Arial" panose="020B0604020202020204" pitchFamily="34" charset="0"/>
+              </a:rPr>
+              <a:t>-Braulio Carrillo</a:t>
+            </a:r>
+          </a:p>
+          <a:p>
+            <a:pPr marL="342900" indent="-342900">
+              <a:buAutoNum type="alphaUcParenR" startAt="3"/>
+            </a:pPr>
+            <a:r>
+              <a:rPr lang="en-US" sz="1600" dirty="0" err="1">
+                <a:latin typeface="Arial" panose="020B0604020202020204" pitchFamily="34" charset="0"/>
+                <a:cs typeface="Arial" panose="020B0604020202020204" pitchFamily="34" charset="0"/>
+              </a:rPr>
+              <a:t>AmistOsa</a:t>
+            </a:r>
+            <a:r>
+              <a:rPr lang="en-US" sz="1600" dirty="0">
+                <a:latin typeface="Arial" panose="020B0604020202020204" pitchFamily="34" charset="0"/>
+                <a:cs typeface="Arial" panose="020B0604020202020204" pitchFamily="34" charset="0"/>
+              </a:rPr>
+              <a:t>/Palo-Seco Amistad</a:t>
+            </a:r>
+          </a:p>
+          <a:p>
+            <a:pPr marL="342900" indent="-342900">
+              <a:buAutoNum type="alphaUcParenR" startAt="3"/>
+            </a:pPr>
+            <a:r>
+              <a:rPr lang="en-US" sz="1600" dirty="0">
+                <a:latin typeface="Arial" panose="020B0604020202020204" pitchFamily="34" charset="0"/>
+                <a:cs typeface="Arial" panose="020B0604020202020204" pitchFamily="34" charset="0"/>
+              </a:rPr>
+              <a:t>Darien</a:t>
+            </a:r>
+          </a:p>
+          <a:p>
+            <a:pPr marL="342900" indent="-342900">
+              <a:buAutoNum type="alphaUcParenR" startAt="3"/>
+            </a:pPr>
+            <a:r>
+              <a:rPr lang="en-US" sz="1600" dirty="0">
+                <a:latin typeface="Arial" panose="020B0604020202020204" pitchFamily="34" charset="0"/>
+                <a:cs typeface="Arial" panose="020B0604020202020204" pitchFamily="34" charset="0"/>
+              </a:rPr>
+              <a:t>?</a:t>
+            </a:r>
+          </a:p>
+        </p:txBody>
+      </p:sp>
+    </p:spTree>
+    <p:extLst>
+      <p:ext uri="{BB962C8B-B14F-4D97-AF65-F5344CB8AC3E}">
+        <p14:creationId xmlns:p14="http://schemas.microsoft.com/office/powerpoint/2010/main" val="1542517843"/>
+      </p:ext>
+    </p:extLst>
+  </p:cSld>
+  <p:clrMapOvr>
+    <a:masterClrMapping/>
+  </p:clrMapOvr>
+</p:sld>
+</file>
+
 <file path=ppt/theme/theme1.xml><?xml version="1.0" encoding="utf-8"?>
 <a:theme xmlns:a="http://schemas.openxmlformats.org/drawingml/2006/main" name="Office Theme">
   <a:themeElements>

--- a/Figures/PlayingAroundWithHubs.pptx
+++ b/Figures/PlayingAroundWithHubs.pptx
@@ -267,7 +267,7 @@
           <a:p>
             <a:fld id="{EF85D3E6-8DBD-40D8-8E98-DE404A5510D9}" type="datetimeFigureOut">
               <a:rPr lang="en-US" smtClean="0"/>
-              <a:t>9/15/2023</a:t>
+              <a:t>9/18/2023</a:t>
             </a:fld>
             <a:endParaRPr lang="en-US"/>
           </a:p>
@@ -465,7 +465,7 @@
           <a:p>
             <a:fld id="{EF85D3E6-8DBD-40D8-8E98-DE404A5510D9}" type="datetimeFigureOut">
               <a:rPr lang="en-US" smtClean="0"/>
-              <a:t>9/15/2023</a:t>
+              <a:t>9/18/2023</a:t>
             </a:fld>
             <a:endParaRPr lang="en-US"/>
           </a:p>
@@ -673,7 +673,7 @@
           <a:p>
             <a:fld id="{EF85D3E6-8DBD-40D8-8E98-DE404A5510D9}" type="datetimeFigureOut">
               <a:rPr lang="en-US" smtClean="0"/>
-              <a:t>9/15/2023</a:t>
+              <a:t>9/18/2023</a:t>
             </a:fld>
             <a:endParaRPr lang="en-US"/>
           </a:p>
@@ -871,7 +871,7 @@
           <a:p>
             <a:fld id="{EF85D3E6-8DBD-40D8-8E98-DE404A5510D9}" type="datetimeFigureOut">
               <a:rPr lang="en-US" smtClean="0"/>
-              <a:t>9/15/2023</a:t>
+              <a:t>9/18/2023</a:t>
             </a:fld>
             <a:endParaRPr lang="en-US"/>
           </a:p>
@@ -1146,7 +1146,7 @@
           <a:p>
             <a:fld id="{EF85D3E6-8DBD-40D8-8E98-DE404A5510D9}" type="datetimeFigureOut">
               <a:rPr lang="en-US" smtClean="0"/>
-              <a:t>9/15/2023</a:t>
+              <a:t>9/18/2023</a:t>
             </a:fld>
             <a:endParaRPr lang="en-US"/>
           </a:p>
@@ -1411,7 +1411,7 @@
           <a:p>
             <a:fld id="{EF85D3E6-8DBD-40D8-8E98-DE404A5510D9}" type="datetimeFigureOut">
               <a:rPr lang="en-US" smtClean="0"/>
-              <a:t>9/15/2023</a:t>
+              <a:t>9/18/2023</a:t>
             </a:fld>
             <a:endParaRPr lang="en-US"/>
           </a:p>
@@ -1823,7 +1823,7 @@
           <a:p>
             <a:fld id="{EF85D3E6-8DBD-40D8-8E98-DE404A5510D9}" type="datetimeFigureOut">
               <a:rPr lang="en-US" smtClean="0"/>
-              <a:t>9/15/2023</a:t>
+              <a:t>9/18/2023</a:t>
             </a:fld>
             <a:endParaRPr lang="en-US"/>
           </a:p>
@@ -1964,7 +1964,7 @@
           <a:p>
             <a:fld id="{EF85D3E6-8DBD-40D8-8E98-DE404A5510D9}" type="datetimeFigureOut">
               <a:rPr lang="en-US" smtClean="0"/>
-              <a:t>9/15/2023</a:t>
+              <a:t>9/18/2023</a:t>
             </a:fld>
             <a:endParaRPr lang="en-US"/>
           </a:p>
@@ -2077,7 +2077,7 @@
           <a:p>
             <a:fld id="{EF85D3E6-8DBD-40D8-8E98-DE404A5510D9}" type="datetimeFigureOut">
               <a:rPr lang="en-US" smtClean="0"/>
-              <a:t>9/15/2023</a:t>
+              <a:t>9/18/2023</a:t>
             </a:fld>
             <a:endParaRPr lang="en-US"/>
           </a:p>
@@ -2388,7 +2388,7 @@
           <a:p>
             <a:fld id="{EF85D3E6-8DBD-40D8-8E98-DE404A5510D9}" type="datetimeFigureOut">
               <a:rPr lang="en-US" smtClean="0"/>
-              <a:t>9/15/2023</a:t>
+              <a:t>9/18/2023</a:t>
             </a:fld>
             <a:endParaRPr lang="en-US"/>
           </a:p>
@@ -2676,7 +2676,7 @@
           <a:p>
             <a:fld id="{EF85D3E6-8DBD-40D8-8E98-DE404A5510D9}" type="datetimeFigureOut">
               <a:rPr lang="en-US" smtClean="0"/>
-              <a:t>9/15/2023</a:t>
+              <a:t>9/18/2023</a:t>
             </a:fld>
             <a:endParaRPr lang="en-US"/>
           </a:p>
@@ -2917,7 +2917,7 @@
           <a:p>
             <a:fld id="{EF85D3E6-8DBD-40D8-8E98-DE404A5510D9}" type="datetimeFigureOut">
               <a:rPr lang="en-US" smtClean="0"/>
-              <a:t>9/15/2023</a:t>
+              <a:t>9/18/2023</a:t>
             </a:fld>
             <a:endParaRPr lang="en-US"/>
           </a:p>
@@ -6294,394 +6294,6 @@
           </a:p>
         </p:txBody>
       </p:sp>
-      <p:sp>
-        <p:nvSpPr>
-          <p:cNvPr id="15" name="TextBox 14">
-            <a:extLst>
-              <a:ext uri="{FF2B5EF4-FFF2-40B4-BE49-F238E27FC236}">
-                <a16:creationId xmlns:a16="http://schemas.microsoft.com/office/drawing/2014/main" id="{996C943A-D19D-9DB5-8EA8-2B6E64D98F1A}"/>
-              </a:ext>
-            </a:extLst>
-          </p:cNvPr>
-          <p:cNvSpPr txBox="1"/>
-          <p:nvPr/>
-        </p:nvSpPr>
-        <p:spPr>
-          <a:xfrm>
-            <a:off x="7152321" y="4421221"/>
-            <a:ext cx="2133600" cy="400110"/>
-          </a:xfrm>
-          <a:prstGeom prst="rect">
-            <a:avLst/>
-          </a:prstGeom>
-          <a:noFill/>
-        </p:spPr>
-        <p:txBody>
-          <a:bodyPr wrap="square" rtlCol="0">
-            <a:spAutoFit/>
-          </a:bodyPr>
-          <a:lstStyle/>
-          <a:p>
-            <a:r>
-              <a:rPr lang="en-US" sz="2000" dirty="0">
-                <a:solidFill>
-                  <a:srgbClr val="00B0F0"/>
-                </a:solidFill>
-                <a:latin typeface="Arial" panose="020B0604020202020204" pitchFamily="34" charset="0"/>
-                <a:cs typeface="Arial" panose="020B0604020202020204" pitchFamily="34" charset="0"/>
-              </a:rPr>
-              <a:t>Darien</a:t>
-            </a:r>
-          </a:p>
-        </p:txBody>
-      </p:sp>
-      <p:sp>
-        <p:nvSpPr>
-          <p:cNvPr id="16" name="TextBox 15">
-            <a:extLst>
-              <a:ext uri="{FF2B5EF4-FFF2-40B4-BE49-F238E27FC236}">
-                <a16:creationId xmlns:a16="http://schemas.microsoft.com/office/drawing/2014/main" id="{C40EB05F-AA4A-87F9-6E8D-606207FCB788}"/>
-              </a:ext>
-            </a:extLst>
-          </p:cNvPr>
-          <p:cNvSpPr txBox="1"/>
-          <p:nvPr/>
-        </p:nvSpPr>
-        <p:spPr>
-          <a:xfrm>
-            <a:off x="4668253" y="5209386"/>
-            <a:ext cx="2367763" cy="707886"/>
-          </a:xfrm>
-          <a:prstGeom prst="rect">
-            <a:avLst/>
-          </a:prstGeom>
-          <a:noFill/>
-        </p:spPr>
-        <p:txBody>
-          <a:bodyPr wrap="square" rtlCol="0">
-            <a:spAutoFit/>
-          </a:bodyPr>
-          <a:lstStyle/>
-          <a:p>
-            <a:r>
-              <a:rPr lang="en-US" sz="2000" dirty="0" err="1">
-                <a:solidFill>
-                  <a:srgbClr val="00B0F0"/>
-                </a:solidFill>
-                <a:latin typeface="Arial" panose="020B0604020202020204" pitchFamily="34" charset="0"/>
-                <a:cs typeface="Arial" panose="020B0604020202020204" pitchFamily="34" charset="0"/>
-              </a:rPr>
-              <a:t>AmistOsa</a:t>
-            </a:r>
-            <a:r>
-              <a:rPr lang="en-US" sz="2000" dirty="0">
-                <a:solidFill>
-                  <a:srgbClr val="00B0F0"/>
-                </a:solidFill>
-                <a:latin typeface="Arial" panose="020B0604020202020204" pitchFamily="34" charset="0"/>
-                <a:cs typeface="Arial" panose="020B0604020202020204" pitchFamily="34" charset="0"/>
-              </a:rPr>
-              <a:t>/</a:t>
-            </a:r>
-          </a:p>
-          <a:p>
-            <a:r>
-              <a:rPr lang="en-US" sz="2000" dirty="0">
-                <a:solidFill>
-                  <a:srgbClr val="00B0F0"/>
-                </a:solidFill>
-                <a:latin typeface="Arial" panose="020B0604020202020204" pitchFamily="34" charset="0"/>
-                <a:cs typeface="Arial" panose="020B0604020202020204" pitchFamily="34" charset="0"/>
-              </a:rPr>
-              <a:t>Palo Seco-Amistad</a:t>
-            </a:r>
-          </a:p>
-        </p:txBody>
-      </p:sp>
-      <p:sp>
-        <p:nvSpPr>
-          <p:cNvPr id="17" name="TextBox 16">
-            <a:extLst>
-              <a:ext uri="{FF2B5EF4-FFF2-40B4-BE49-F238E27FC236}">
-                <a16:creationId xmlns:a16="http://schemas.microsoft.com/office/drawing/2014/main" id="{B5696B72-9774-D6C2-93AC-C83EF97C80D5}"/>
-              </a:ext>
-            </a:extLst>
-          </p:cNvPr>
-          <p:cNvSpPr txBox="1"/>
-          <p:nvPr/>
-        </p:nvSpPr>
-        <p:spPr>
-          <a:xfrm>
-            <a:off x="5441688" y="3549447"/>
-            <a:ext cx="3300663" cy="400110"/>
-          </a:xfrm>
-          <a:prstGeom prst="rect">
-            <a:avLst/>
-          </a:prstGeom>
-          <a:noFill/>
-        </p:spPr>
-        <p:txBody>
-          <a:bodyPr wrap="square">
-            <a:spAutoFit/>
-          </a:bodyPr>
-          <a:lstStyle/>
-          <a:p>
-            <a:r>
-              <a:rPr lang="en-US" sz="2000" dirty="0">
-                <a:solidFill>
-                  <a:srgbClr val="00B0F0"/>
-                </a:solidFill>
-                <a:latin typeface="Arial" panose="020B0604020202020204" pitchFamily="34" charset="0"/>
-                <a:cs typeface="Arial" panose="020B0604020202020204" pitchFamily="34" charset="0"/>
-              </a:rPr>
-              <a:t>Indio </a:t>
-            </a:r>
-            <a:r>
-              <a:rPr lang="en-US" sz="2000" dirty="0" err="1">
-                <a:solidFill>
-                  <a:srgbClr val="00B0F0"/>
-                </a:solidFill>
-                <a:latin typeface="Arial" panose="020B0604020202020204" pitchFamily="34" charset="0"/>
-                <a:cs typeface="Arial" panose="020B0604020202020204" pitchFamily="34" charset="0"/>
-              </a:rPr>
-              <a:t>Maiz</a:t>
-            </a:r>
-            <a:r>
-              <a:rPr lang="en-US" sz="2000" dirty="0">
-                <a:solidFill>
-                  <a:srgbClr val="00B0F0"/>
-                </a:solidFill>
-                <a:latin typeface="Arial" panose="020B0604020202020204" pitchFamily="34" charset="0"/>
-                <a:cs typeface="Arial" panose="020B0604020202020204" pitchFamily="34" charset="0"/>
-              </a:rPr>
-              <a:t>-Braulio Carrillo </a:t>
-            </a:r>
-          </a:p>
-        </p:txBody>
-      </p:sp>
-      <p:sp>
-        <p:nvSpPr>
-          <p:cNvPr id="18" name="TextBox 17">
-            <a:extLst>
-              <a:ext uri="{FF2B5EF4-FFF2-40B4-BE49-F238E27FC236}">
-                <a16:creationId xmlns:a16="http://schemas.microsoft.com/office/drawing/2014/main" id="{77A2C6DA-F988-6FD0-0322-17E1586B61CA}"/>
-              </a:ext>
-            </a:extLst>
-          </p:cNvPr>
-          <p:cNvSpPr txBox="1"/>
-          <p:nvPr/>
-        </p:nvSpPr>
-        <p:spPr>
-          <a:xfrm>
-            <a:off x="5059557" y="1994829"/>
-            <a:ext cx="3300663" cy="400110"/>
-          </a:xfrm>
-          <a:prstGeom prst="rect">
-            <a:avLst/>
-          </a:prstGeom>
-          <a:noFill/>
-        </p:spPr>
-        <p:txBody>
-          <a:bodyPr wrap="square">
-            <a:spAutoFit/>
-          </a:bodyPr>
-          <a:lstStyle/>
-          <a:p>
-            <a:r>
-              <a:rPr lang="en-US" sz="2000" dirty="0" err="1">
-                <a:solidFill>
-                  <a:srgbClr val="00B0F0"/>
-                </a:solidFill>
-                <a:latin typeface="Arial" panose="020B0604020202020204" pitchFamily="34" charset="0"/>
-                <a:cs typeface="Arial" panose="020B0604020202020204" pitchFamily="34" charset="0"/>
-              </a:rPr>
-              <a:t>Platano-Agalta</a:t>
-            </a:r>
-            <a:endParaRPr lang="en-US" sz="2000" dirty="0">
-              <a:solidFill>
-                <a:srgbClr val="00B0F0"/>
-              </a:solidFill>
-              <a:latin typeface="Arial" panose="020B0604020202020204" pitchFamily="34" charset="0"/>
-              <a:cs typeface="Arial" panose="020B0604020202020204" pitchFamily="34" charset="0"/>
-            </a:endParaRPr>
-          </a:p>
-        </p:txBody>
-      </p:sp>
-      <p:sp>
-        <p:nvSpPr>
-          <p:cNvPr id="19" name="TextBox 18">
-            <a:extLst>
-              <a:ext uri="{FF2B5EF4-FFF2-40B4-BE49-F238E27FC236}">
-                <a16:creationId xmlns:a16="http://schemas.microsoft.com/office/drawing/2014/main" id="{BC939E54-9CFB-49A8-9948-E18BE07EF2C2}"/>
-              </a:ext>
-            </a:extLst>
-          </p:cNvPr>
-          <p:cNvSpPr txBox="1"/>
-          <p:nvPr/>
-        </p:nvSpPr>
-        <p:spPr>
-          <a:xfrm>
-            <a:off x="624599" y="418015"/>
-            <a:ext cx="3300663" cy="400110"/>
-          </a:xfrm>
-          <a:prstGeom prst="rect">
-            <a:avLst/>
-          </a:prstGeom>
-          <a:noFill/>
-        </p:spPr>
-        <p:txBody>
-          <a:bodyPr wrap="square">
-            <a:spAutoFit/>
-          </a:bodyPr>
-          <a:lstStyle/>
-          <a:p>
-            <a:r>
-              <a:rPr lang="en-US" sz="2000" dirty="0">
-                <a:solidFill>
-                  <a:srgbClr val="00B0F0"/>
-                </a:solidFill>
-                <a:latin typeface="Arial" panose="020B0604020202020204" pitchFamily="34" charset="0"/>
-                <a:cs typeface="Arial" panose="020B0604020202020204" pitchFamily="34" charset="0"/>
-              </a:rPr>
-              <a:t>Maya-Montebello</a:t>
-            </a:r>
-          </a:p>
-        </p:txBody>
-      </p:sp>
-      <p:sp>
-        <p:nvSpPr>
-          <p:cNvPr id="20" name="TextBox 19">
-            <a:extLst>
-              <a:ext uri="{FF2B5EF4-FFF2-40B4-BE49-F238E27FC236}">
-                <a16:creationId xmlns:a16="http://schemas.microsoft.com/office/drawing/2014/main" id="{9E3E9AC6-CA3E-2549-BD4A-C854E91006CF}"/>
-              </a:ext>
-            </a:extLst>
-          </p:cNvPr>
-          <p:cNvSpPr txBox="1"/>
-          <p:nvPr/>
-        </p:nvSpPr>
-        <p:spPr>
-          <a:xfrm>
-            <a:off x="4527885" y="1427946"/>
-            <a:ext cx="3300663" cy="400110"/>
-          </a:xfrm>
-          <a:prstGeom prst="rect">
-            <a:avLst/>
-          </a:prstGeom>
-          <a:noFill/>
-        </p:spPr>
-        <p:txBody>
-          <a:bodyPr wrap="square">
-            <a:spAutoFit/>
-          </a:bodyPr>
-          <a:lstStyle/>
-          <a:p>
-            <a:r>
-              <a:rPr lang="en-US" sz="2000" dirty="0" err="1">
-                <a:solidFill>
-                  <a:srgbClr val="00B0F0"/>
-                </a:solidFill>
-                <a:latin typeface="Arial" panose="020B0604020202020204" pitchFamily="34" charset="0"/>
-                <a:cs typeface="Arial" panose="020B0604020202020204" pitchFamily="34" charset="0"/>
-              </a:rPr>
-              <a:t>Chiquibui</a:t>
-            </a:r>
-            <a:r>
-              <a:rPr lang="en-US" sz="2000" dirty="0">
-                <a:solidFill>
-                  <a:srgbClr val="00B0F0"/>
-                </a:solidFill>
-                <a:latin typeface="Arial" panose="020B0604020202020204" pitchFamily="34" charset="0"/>
-                <a:cs typeface="Arial" panose="020B0604020202020204" pitchFamily="34" charset="0"/>
-              </a:rPr>
-              <a:t>-Las Minas</a:t>
-            </a:r>
-          </a:p>
-        </p:txBody>
-      </p:sp>
-      <p:cxnSp>
-        <p:nvCxnSpPr>
-          <p:cNvPr id="21" name="Straight Arrow Connector 20">
-            <a:extLst>
-              <a:ext uri="{FF2B5EF4-FFF2-40B4-BE49-F238E27FC236}">
-                <a16:creationId xmlns:a16="http://schemas.microsoft.com/office/drawing/2014/main" id="{98D328DE-3F3E-F74F-1402-DDDE1051FACF}"/>
-              </a:ext>
-            </a:extLst>
-          </p:cNvPr>
-          <p:cNvCxnSpPr/>
-          <p:nvPr/>
-        </p:nvCxnSpPr>
-        <p:spPr>
-          <a:xfrm>
-            <a:off x="2404429" y="769999"/>
-            <a:ext cx="284260" cy="641707"/>
-          </a:xfrm>
-          <a:prstGeom prst="straightConnector1">
-            <a:avLst/>
-          </a:prstGeom>
-          <a:ln w="57150">
-            <a:solidFill>
-              <a:srgbClr val="00B0F0"/>
-            </a:solidFill>
-            <a:tailEnd type="triangle"/>
-          </a:ln>
-        </p:spPr>
-        <p:style>
-          <a:lnRef idx="1">
-            <a:schemeClr val="accent1"/>
-          </a:lnRef>
-          <a:fillRef idx="0">
-            <a:schemeClr val="accent1"/>
-          </a:fillRef>
-          <a:effectRef idx="0">
-            <a:schemeClr val="accent1"/>
-          </a:effectRef>
-          <a:fontRef idx="minor">
-            <a:schemeClr val="tx1"/>
-          </a:fontRef>
-        </p:style>
-      </p:cxnSp>
-      <p:sp>
-        <p:nvSpPr>
-          <p:cNvPr id="24" name="TextBox 23">
-            <a:extLst>
-              <a:ext uri="{FF2B5EF4-FFF2-40B4-BE49-F238E27FC236}">
-                <a16:creationId xmlns:a16="http://schemas.microsoft.com/office/drawing/2014/main" id="{DC08AFF7-4906-F9C1-2DDC-19E0D3E62475}"/>
-              </a:ext>
-            </a:extLst>
-          </p:cNvPr>
-          <p:cNvSpPr txBox="1"/>
-          <p:nvPr/>
-        </p:nvSpPr>
-        <p:spPr>
-          <a:xfrm>
-            <a:off x="1352280" y="3008388"/>
-            <a:ext cx="3300663" cy="400110"/>
-          </a:xfrm>
-          <a:prstGeom prst="rect">
-            <a:avLst/>
-          </a:prstGeom>
-          <a:noFill/>
-        </p:spPr>
-        <p:txBody>
-          <a:bodyPr wrap="square">
-            <a:spAutoFit/>
-          </a:bodyPr>
-          <a:lstStyle/>
-          <a:p>
-            <a:r>
-              <a:rPr lang="en-US" sz="2000" dirty="0">
-                <a:solidFill>
-                  <a:srgbClr val="00B0F0"/>
-                </a:solidFill>
-                <a:latin typeface="Arial" panose="020B0604020202020204" pitchFamily="34" charset="0"/>
-                <a:cs typeface="Arial" panose="020B0604020202020204" pitchFamily="34" charset="0"/>
-              </a:rPr>
-              <a:t>SW Guatemala</a:t>
-            </a:r>
-          </a:p>
-        </p:txBody>
-      </p:sp>
     </p:spTree>
     <p:extLst>
       <p:ext uri="{BB962C8B-B14F-4D97-AF65-F5344CB8AC3E}">

--- a/Figures/PlayingAroundWithHubs.pptx
+++ b/Figures/PlayingAroundWithHubs.pptx
@@ -14,6 +14,7 @@
     <p:sldId id="263" r:id="rId8"/>
     <p:sldId id="264" r:id="rId9"/>
     <p:sldId id="265" r:id="rId10"/>
+    <p:sldId id="266" r:id="rId11"/>
   </p:sldIdLst>
   <p:sldSz cx="12192000" cy="6858000"/>
   <p:notesSz cx="6858000" cy="9144000"/>
@@ -267,7 +268,7 @@
           <a:p>
             <a:fld id="{EF85D3E6-8DBD-40D8-8E98-DE404A5510D9}" type="datetimeFigureOut">
               <a:rPr lang="en-US" smtClean="0"/>
-              <a:t>9/18/2023</a:t>
+              <a:t>9/26/2023</a:t>
             </a:fld>
             <a:endParaRPr lang="en-US"/>
           </a:p>
@@ -465,7 +466,7 @@
           <a:p>
             <a:fld id="{EF85D3E6-8DBD-40D8-8E98-DE404A5510D9}" type="datetimeFigureOut">
               <a:rPr lang="en-US" smtClean="0"/>
-              <a:t>9/18/2023</a:t>
+              <a:t>9/26/2023</a:t>
             </a:fld>
             <a:endParaRPr lang="en-US"/>
           </a:p>
@@ -673,7 +674,7 @@
           <a:p>
             <a:fld id="{EF85D3E6-8DBD-40D8-8E98-DE404A5510D9}" type="datetimeFigureOut">
               <a:rPr lang="en-US" smtClean="0"/>
-              <a:t>9/18/2023</a:t>
+              <a:t>9/26/2023</a:t>
             </a:fld>
             <a:endParaRPr lang="en-US"/>
           </a:p>
@@ -871,7 +872,7 @@
           <a:p>
             <a:fld id="{EF85D3E6-8DBD-40D8-8E98-DE404A5510D9}" type="datetimeFigureOut">
               <a:rPr lang="en-US" smtClean="0"/>
-              <a:t>9/18/2023</a:t>
+              <a:t>9/26/2023</a:t>
             </a:fld>
             <a:endParaRPr lang="en-US"/>
           </a:p>
@@ -1146,7 +1147,7 @@
           <a:p>
             <a:fld id="{EF85D3E6-8DBD-40D8-8E98-DE404A5510D9}" type="datetimeFigureOut">
               <a:rPr lang="en-US" smtClean="0"/>
-              <a:t>9/18/2023</a:t>
+              <a:t>9/26/2023</a:t>
             </a:fld>
             <a:endParaRPr lang="en-US"/>
           </a:p>
@@ -1411,7 +1412,7 @@
           <a:p>
             <a:fld id="{EF85D3E6-8DBD-40D8-8E98-DE404A5510D9}" type="datetimeFigureOut">
               <a:rPr lang="en-US" smtClean="0"/>
-              <a:t>9/18/2023</a:t>
+              <a:t>9/26/2023</a:t>
             </a:fld>
             <a:endParaRPr lang="en-US"/>
           </a:p>
@@ -1823,7 +1824,7 @@
           <a:p>
             <a:fld id="{EF85D3E6-8DBD-40D8-8E98-DE404A5510D9}" type="datetimeFigureOut">
               <a:rPr lang="en-US" smtClean="0"/>
-              <a:t>9/18/2023</a:t>
+              <a:t>9/26/2023</a:t>
             </a:fld>
             <a:endParaRPr lang="en-US"/>
           </a:p>
@@ -1964,7 +1965,7 @@
           <a:p>
             <a:fld id="{EF85D3E6-8DBD-40D8-8E98-DE404A5510D9}" type="datetimeFigureOut">
               <a:rPr lang="en-US" smtClean="0"/>
-              <a:t>9/18/2023</a:t>
+              <a:t>9/26/2023</a:t>
             </a:fld>
             <a:endParaRPr lang="en-US"/>
           </a:p>
@@ -2077,7 +2078,7 @@
           <a:p>
             <a:fld id="{EF85D3E6-8DBD-40D8-8E98-DE404A5510D9}" type="datetimeFigureOut">
               <a:rPr lang="en-US" smtClean="0"/>
-              <a:t>9/18/2023</a:t>
+              <a:t>9/26/2023</a:t>
             </a:fld>
             <a:endParaRPr lang="en-US"/>
           </a:p>
@@ -2388,7 +2389,7 @@
           <a:p>
             <a:fld id="{EF85D3E6-8DBD-40D8-8E98-DE404A5510D9}" type="datetimeFigureOut">
               <a:rPr lang="en-US" smtClean="0"/>
-              <a:t>9/18/2023</a:t>
+              <a:t>9/26/2023</a:t>
             </a:fld>
             <a:endParaRPr lang="en-US"/>
           </a:p>
@@ -2676,7 +2677,7 @@
           <a:p>
             <a:fld id="{EF85D3E6-8DBD-40D8-8E98-DE404A5510D9}" type="datetimeFigureOut">
               <a:rPr lang="en-US" smtClean="0"/>
-              <a:t>9/18/2023</a:t>
+              <a:t>9/26/2023</a:t>
             </a:fld>
             <a:endParaRPr lang="en-US"/>
           </a:p>
@@ -2917,7 +2918,7 @@
           <a:p>
             <a:fld id="{EF85D3E6-8DBD-40D8-8E98-DE404A5510D9}" type="datetimeFigureOut">
               <a:rPr lang="en-US" smtClean="0"/>
-              <a:t>9/18/2023</a:t>
+              <a:t>9/26/2023</a:t>
             </a:fld>
             <a:endParaRPr lang="en-US"/>
           </a:p>
@@ -3391,6 +3392,893 @@
 </p:sld>
 </file>
 
+<file path=ppt/slides/slide10.xml><?xml version="1.0" encoding="utf-8"?>
+<p:sld xmlns:a="http://schemas.openxmlformats.org/drawingml/2006/main" xmlns:r="http://schemas.openxmlformats.org/officeDocument/2006/relationships" xmlns:p="http://schemas.openxmlformats.org/presentationml/2006/main">
+  <p:cSld>
+    <p:spTree>
+      <p:nvGrpSpPr>
+        <p:cNvPr id="1" name=""/>
+        <p:cNvGrpSpPr/>
+        <p:nvPr/>
+      </p:nvGrpSpPr>
+      <p:grpSpPr>
+        <a:xfrm>
+          <a:off x="0" y="0"/>
+          <a:ext cx="0" cy="0"/>
+          <a:chOff x="0" y="0"/>
+          <a:chExt cx="0" cy="0"/>
+        </a:xfrm>
+      </p:grpSpPr>
+      <p:pic>
+        <p:nvPicPr>
+          <p:cNvPr id="5" name="Picture 4">
+            <a:extLst>
+              <a:ext uri="{FF2B5EF4-FFF2-40B4-BE49-F238E27FC236}">
+                <a16:creationId xmlns:a16="http://schemas.microsoft.com/office/drawing/2014/main" id="{19B1BD64-C68E-EBA0-BC05-DA52631F6DEB}"/>
+              </a:ext>
+            </a:extLst>
+          </p:cNvPr>
+          <p:cNvPicPr>
+            <a:picLocks noChangeAspect="1"/>
+          </p:cNvPicPr>
+          <p:nvPr/>
+        </p:nvPicPr>
+        <p:blipFill>
+          <a:blip r:embed="rId2">
+            <a:extLst>
+              <a:ext uri="{28A0092B-C50C-407E-A947-70E740481C1C}">
+                <a14:useLocalDpi xmlns:a14="http://schemas.microsoft.com/office/drawing/2010/main" val="0"/>
+              </a:ext>
+            </a:extLst>
+          </a:blip>
+          <a:stretch>
+            <a:fillRect/>
+          </a:stretch>
+        </p:blipFill>
+        <p:spPr>
+          <a:xfrm>
+            <a:off x="1247007" y="0"/>
+            <a:ext cx="9697986" cy="6858000"/>
+          </a:xfrm>
+          <a:prstGeom prst="rect">
+            <a:avLst/>
+          </a:prstGeom>
+        </p:spPr>
+      </p:pic>
+      <p:sp>
+        <p:nvSpPr>
+          <p:cNvPr id="3" name="Rectangle 2">
+            <a:extLst>
+              <a:ext uri="{FF2B5EF4-FFF2-40B4-BE49-F238E27FC236}">
+                <a16:creationId xmlns:a16="http://schemas.microsoft.com/office/drawing/2014/main" id="{20357C85-A48C-3DD5-9C8A-32D5D93573C4}"/>
+              </a:ext>
+            </a:extLst>
+          </p:cNvPr>
+          <p:cNvSpPr/>
+          <p:nvPr/>
+        </p:nvSpPr>
+        <p:spPr>
+          <a:xfrm>
+            <a:off x="3523126" y="1277470"/>
+            <a:ext cx="336176" cy="336177"/>
+          </a:xfrm>
+          <a:prstGeom prst="rect">
+            <a:avLst/>
+          </a:prstGeom>
+          <a:solidFill>
+            <a:schemeClr val="accent1">
+              <a:lumMod val="20000"/>
+              <a:lumOff val="80000"/>
+            </a:schemeClr>
+          </a:solidFill>
+          <a:ln w="19050">
+            <a:solidFill>
+              <a:schemeClr val="tx1"/>
+            </a:solidFill>
+          </a:ln>
+        </p:spPr>
+        <p:style>
+          <a:lnRef idx="2">
+            <a:schemeClr val="accent1">
+              <a:shade val="15000"/>
+            </a:schemeClr>
+          </a:lnRef>
+          <a:fillRef idx="1">
+            <a:schemeClr val="accent1"/>
+          </a:fillRef>
+          <a:effectRef idx="0">
+            <a:schemeClr val="accent1"/>
+          </a:effectRef>
+          <a:fontRef idx="minor">
+            <a:schemeClr val="lt1"/>
+          </a:fontRef>
+        </p:style>
+        <p:txBody>
+          <a:bodyPr rtlCol="0" anchor="ctr"/>
+          <a:lstStyle/>
+          <a:p>
+            <a:pPr algn="ctr"/>
+            <a:r>
+              <a:rPr lang="en-US" dirty="0">
+                <a:solidFill>
+                  <a:schemeClr val="tx1"/>
+                </a:solidFill>
+                <a:latin typeface="Arial" panose="020B0604020202020204" pitchFamily="34" charset="0"/>
+                <a:cs typeface="Arial" panose="020B0604020202020204" pitchFamily="34" charset="0"/>
+              </a:rPr>
+              <a:t>A</a:t>
+            </a:r>
+          </a:p>
+        </p:txBody>
+      </p:sp>
+      <p:sp>
+        <p:nvSpPr>
+          <p:cNvPr id="4" name="Rectangle 3">
+            <a:extLst>
+              <a:ext uri="{FF2B5EF4-FFF2-40B4-BE49-F238E27FC236}">
+                <a16:creationId xmlns:a16="http://schemas.microsoft.com/office/drawing/2014/main" id="{B2F94B05-B56F-CD02-675E-28B9DF26FE7C}"/>
+              </a:ext>
+            </a:extLst>
+          </p:cNvPr>
+          <p:cNvSpPr/>
+          <p:nvPr/>
+        </p:nvSpPr>
+        <p:spPr>
+          <a:xfrm>
+            <a:off x="5020229" y="1456764"/>
+            <a:ext cx="336176" cy="336177"/>
+          </a:xfrm>
+          <a:prstGeom prst="rect">
+            <a:avLst/>
+          </a:prstGeom>
+          <a:solidFill>
+            <a:schemeClr val="accent1">
+              <a:lumMod val="20000"/>
+              <a:lumOff val="80000"/>
+            </a:schemeClr>
+          </a:solidFill>
+          <a:ln w="19050">
+            <a:solidFill>
+              <a:schemeClr val="tx1"/>
+            </a:solidFill>
+          </a:ln>
+        </p:spPr>
+        <p:style>
+          <a:lnRef idx="2">
+            <a:schemeClr val="accent1">
+              <a:shade val="15000"/>
+            </a:schemeClr>
+          </a:lnRef>
+          <a:fillRef idx="1">
+            <a:schemeClr val="accent1"/>
+          </a:fillRef>
+          <a:effectRef idx="0">
+            <a:schemeClr val="accent1"/>
+          </a:effectRef>
+          <a:fontRef idx="minor">
+            <a:schemeClr val="lt1"/>
+          </a:fontRef>
+        </p:style>
+        <p:txBody>
+          <a:bodyPr rtlCol="0" anchor="ctr"/>
+          <a:lstStyle/>
+          <a:p>
+            <a:pPr algn="ctr"/>
+            <a:r>
+              <a:rPr lang="en-US" dirty="0">
+                <a:solidFill>
+                  <a:schemeClr val="tx1"/>
+                </a:solidFill>
+                <a:latin typeface="Arial" panose="020B0604020202020204" pitchFamily="34" charset="0"/>
+                <a:cs typeface="Arial" panose="020B0604020202020204" pitchFamily="34" charset="0"/>
+              </a:rPr>
+              <a:t>C</a:t>
+            </a:r>
+          </a:p>
+        </p:txBody>
+      </p:sp>
+      <p:sp>
+        <p:nvSpPr>
+          <p:cNvPr id="15" name="Rectangle 14">
+            <a:extLst>
+              <a:ext uri="{FF2B5EF4-FFF2-40B4-BE49-F238E27FC236}">
+                <a16:creationId xmlns:a16="http://schemas.microsoft.com/office/drawing/2014/main" id="{19709F21-180E-F424-64B4-C2FA242972D7}"/>
+              </a:ext>
+            </a:extLst>
+          </p:cNvPr>
+          <p:cNvSpPr/>
+          <p:nvPr/>
+        </p:nvSpPr>
+        <p:spPr>
+          <a:xfrm>
+            <a:off x="3899645" y="1882585"/>
+            <a:ext cx="336176" cy="336177"/>
+          </a:xfrm>
+          <a:prstGeom prst="rect">
+            <a:avLst/>
+          </a:prstGeom>
+          <a:solidFill>
+            <a:schemeClr val="accent1">
+              <a:lumMod val="20000"/>
+              <a:lumOff val="80000"/>
+            </a:schemeClr>
+          </a:solidFill>
+          <a:ln w="19050">
+            <a:solidFill>
+              <a:schemeClr val="tx1"/>
+            </a:solidFill>
+          </a:ln>
+        </p:spPr>
+        <p:style>
+          <a:lnRef idx="2">
+            <a:schemeClr val="accent1">
+              <a:shade val="15000"/>
+            </a:schemeClr>
+          </a:lnRef>
+          <a:fillRef idx="1">
+            <a:schemeClr val="accent1"/>
+          </a:fillRef>
+          <a:effectRef idx="0">
+            <a:schemeClr val="accent1"/>
+          </a:effectRef>
+          <a:fontRef idx="minor">
+            <a:schemeClr val="lt1"/>
+          </a:fontRef>
+        </p:style>
+        <p:txBody>
+          <a:bodyPr rtlCol="0" anchor="ctr"/>
+          <a:lstStyle/>
+          <a:p>
+            <a:pPr algn="ctr"/>
+            <a:r>
+              <a:rPr lang="en-US" dirty="0">
+                <a:solidFill>
+                  <a:schemeClr val="tx1"/>
+                </a:solidFill>
+                <a:latin typeface="Arial" panose="020B0604020202020204" pitchFamily="34" charset="0"/>
+                <a:cs typeface="Arial" panose="020B0604020202020204" pitchFamily="34" charset="0"/>
+              </a:rPr>
+              <a:t>B</a:t>
+            </a:r>
+          </a:p>
+        </p:txBody>
+      </p:sp>
+      <p:sp>
+        <p:nvSpPr>
+          <p:cNvPr id="16" name="Rectangle 15">
+            <a:extLst>
+              <a:ext uri="{FF2B5EF4-FFF2-40B4-BE49-F238E27FC236}">
+                <a16:creationId xmlns:a16="http://schemas.microsoft.com/office/drawing/2014/main" id="{D643F94C-B6D0-E8D9-6683-9A2E6C701696}"/>
+              </a:ext>
+            </a:extLst>
+          </p:cNvPr>
+          <p:cNvSpPr/>
+          <p:nvPr/>
+        </p:nvSpPr>
+        <p:spPr>
+          <a:xfrm>
+            <a:off x="3052479" y="2675968"/>
+            <a:ext cx="336176" cy="336177"/>
+          </a:xfrm>
+          <a:prstGeom prst="rect">
+            <a:avLst/>
+          </a:prstGeom>
+          <a:solidFill>
+            <a:schemeClr val="accent1">
+              <a:lumMod val="20000"/>
+              <a:lumOff val="80000"/>
+            </a:schemeClr>
+          </a:solidFill>
+          <a:ln w="19050">
+            <a:solidFill>
+              <a:schemeClr val="tx1"/>
+            </a:solidFill>
+          </a:ln>
+        </p:spPr>
+        <p:style>
+          <a:lnRef idx="2">
+            <a:schemeClr val="accent1">
+              <a:shade val="15000"/>
+            </a:schemeClr>
+          </a:lnRef>
+          <a:fillRef idx="1">
+            <a:schemeClr val="accent1"/>
+          </a:fillRef>
+          <a:effectRef idx="0">
+            <a:schemeClr val="accent1"/>
+          </a:effectRef>
+          <a:fontRef idx="minor">
+            <a:schemeClr val="lt1"/>
+          </a:fontRef>
+        </p:style>
+        <p:txBody>
+          <a:bodyPr rtlCol="0" anchor="ctr"/>
+          <a:lstStyle/>
+          <a:p>
+            <a:pPr algn="ctr"/>
+            <a:r>
+              <a:rPr lang="en-US" dirty="0">
+                <a:solidFill>
+                  <a:schemeClr val="tx1"/>
+                </a:solidFill>
+                <a:latin typeface="Arial" panose="020B0604020202020204" pitchFamily="34" charset="0"/>
+                <a:cs typeface="Arial" panose="020B0604020202020204" pitchFamily="34" charset="0"/>
+              </a:rPr>
+              <a:t>D</a:t>
+            </a:r>
+          </a:p>
+        </p:txBody>
+      </p:sp>
+      <p:sp>
+        <p:nvSpPr>
+          <p:cNvPr id="17" name="Rectangle 16">
+            <a:extLst>
+              <a:ext uri="{FF2B5EF4-FFF2-40B4-BE49-F238E27FC236}">
+                <a16:creationId xmlns:a16="http://schemas.microsoft.com/office/drawing/2014/main" id="{B1C54502-1E6D-91FD-7CBA-D18D0939D4B2}"/>
+              </a:ext>
+            </a:extLst>
+          </p:cNvPr>
+          <p:cNvSpPr/>
+          <p:nvPr/>
+        </p:nvSpPr>
+        <p:spPr>
+          <a:xfrm>
+            <a:off x="3648630" y="2976285"/>
+            <a:ext cx="336176" cy="336177"/>
+          </a:xfrm>
+          <a:prstGeom prst="rect">
+            <a:avLst/>
+          </a:prstGeom>
+          <a:solidFill>
+            <a:schemeClr val="accent1">
+              <a:lumMod val="20000"/>
+              <a:lumOff val="80000"/>
+            </a:schemeClr>
+          </a:solidFill>
+          <a:ln w="19050">
+            <a:solidFill>
+              <a:schemeClr val="tx1"/>
+            </a:solidFill>
+          </a:ln>
+        </p:spPr>
+        <p:style>
+          <a:lnRef idx="2">
+            <a:schemeClr val="accent1">
+              <a:shade val="15000"/>
+            </a:schemeClr>
+          </a:lnRef>
+          <a:fillRef idx="1">
+            <a:schemeClr val="accent1"/>
+          </a:fillRef>
+          <a:effectRef idx="0">
+            <a:schemeClr val="accent1"/>
+          </a:effectRef>
+          <a:fontRef idx="minor">
+            <a:schemeClr val="lt1"/>
+          </a:fontRef>
+        </p:style>
+        <p:txBody>
+          <a:bodyPr rtlCol="0" anchor="ctr"/>
+          <a:lstStyle/>
+          <a:p>
+            <a:pPr algn="ctr"/>
+            <a:r>
+              <a:rPr lang="en-US" dirty="0">
+                <a:solidFill>
+                  <a:schemeClr val="tx1"/>
+                </a:solidFill>
+                <a:latin typeface="Arial" panose="020B0604020202020204" pitchFamily="34" charset="0"/>
+                <a:cs typeface="Arial" panose="020B0604020202020204" pitchFamily="34" charset="0"/>
+              </a:rPr>
+              <a:t>E</a:t>
+            </a:r>
+          </a:p>
+        </p:txBody>
+      </p:sp>
+      <p:sp>
+        <p:nvSpPr>
+          <p:cNvPr id="18" name="Rectangle 17">
+            <a:extLst>
+              <a:ext uri="{FF2B5EF4-FFF2-40B4-BE49-F238E27FC236}">
+                <a16:creationId xmlns:a16="http://schemas.microsoft.com/office/drawing/2014/main" id="{8A87F576-656A-28DE-BF1B-FFEF99495F9E}"/>
+              </a:ext>
+            </a:extLst>
+          </p:cNvPr>
+          <p:cNvSpPr/>
+          <p:nvPr/>
+        </p:nvSpPr>
+        <p:spPr>
+          <a:xfrm>
+            <a:off x="5598452" y="2034995"/>
+            <a:ext cx="336176" cy="336177"/>
+          </a:xfrm>
+          <a:prstGeom prst="rect">
+            <a:avLst/>
+          </a:prstGeom>
+          <a:solidFill>
+            <a:schemeClr val="accent1">
+              <a:lumMod val="20000"/>
+              <a:lumOff val="80000"/>
+            </a:schemeClr>
+          </a:solidFill>
+          <a:ln w="19050">
+            <a:solidFill>
+              <a:schemeClr val="tx1"/>
+            </a:solidFill>
+          </a:ln>
+        </p:spPr>
+        <p:style>
+          <a:lnRef idx="2">
+            <a:schemeClr val="accent1">
+              <a:shade val="15000"/>
+            </a:schemeClr>
+          </a:lnRef>
+          <a:fillRef idx="1">
+            <a:schemeClr val="accent1"/>
+          </a:fillRef>
+          <a:effectRef idx="0">
+            <a:schemeClr val="accent1"/>
+          </a:effectRef>
+          <a:fontRef idx="minor">
+            <a:schemeClr val="lt1"/>
+          </a:fontRef>
+        </p:style>
+        <p:txBody>
+          <a:bodyPr rtlCol="0" anchor="ctr"/>
+          <a:lstStyle/>
+          <a:p>
+            <a:pPr algn="ctr"/>
+            <a:r>
+              <a:rPr lang="en-US" dirty="0">
+                <a:solidFill>
+                  <a:schemeClr val="tx1"/>
+                </a:solidFill>
+                <a:latin typeface="Arial" panose="020B0604020202020204" pitchFamily="34" charset="0"/>
+                <a:cs typeface="Arial" panose="020B0604020202020204" pitchFamily="34" charset="0"/>
+              </a:rPr>
+              <a:t>F</a:t>
+            </a:r>
+          </a:p>
+        </p:txBody>
+      </p:sp>
+      <p:sp>
+        <p:nvSpPr>
+          <p:cNvPr id="19" name="Rectangle 18">
+            <a:extLst>
+              <a:ext uri="{FF2B5EF4-FFF2-40B4-BE49-F238E27FC236}">
+                <a16:creationId xmlns:a16="http://schemas.microsoft.com/office/drawing/2014/main" id="{2B1B30F1-668B-7094-EE66-B963CAC2B8DF}"/>
+              </a:ext>
+            </a:extLst>
+          </p:cNvPr>
+          <p:cNvSpPr/>
+          <p:nvPr/>
+        </p:nvSpPr>
+        <p:spPr>
+          <a:xfrm>
+            <a:off x="6620431" y="3514165"/>
+            <a:ext cx="336176" cy="336177"/>
+          </a:xfrm>
+          <a:prstGeom prst="rect">
+            <a:avLst/>
+          </a:prstGeom>
+          <a:solidFill>
+            <a:schemeClr val="accent1">
+              <a:lumMod val="20000"/>
+              <a:lumOff val="80000"/>
+            </a:schemeClr>
+          </a:solidFill>
+          <a:ln w="19050">
+            <a:solidFill>
+              <a:schemeClr val="tx1"/>
+            </a:solidFill>
+          </a:ln>
+        </p:spPr>
+        <p:style>
+          <a:lnRef idx="2">
+            <a:schemeClr val="accent1">
+              <a:shade val="15000"/>
+            </a:schemeClr>
+          </a:lnRef>
+          <a:fillRef idx="1">
+            <a:schemeClr val="accent1"/>
+          </a:fillRef>
+          <a:effectRef idx="0">
+            <a:schemeClr val="accent1"/>
+          </a:effectRef>
+          <a:fontRef idx="minor">
+            <a:schemeClr val="lt1"/>
+          </a:fontRef>
+        </p:style>
+        <p:txBody>
+          <a:bodyPr rtlCol="0" anchor="ctr"/>
+          <a:lstStyle/>
+          <a:p>
+            <a:pPr algn="ctr"/>
+            <a:r>
+              <a:rPr lang="en-US" dirty="0">
+                <a:solidFill>
+                  <a:schemeClr val="tx1"/>
+                </a:solidFill>
+                <a:latin typeface="Arial" panose="020B0604020202020204" pitchFamily="34" charset="0"/>
+                <a:cs typeface="Arial" panose="020B0604020202020204" pitchFamily="34" charset="0"/>
+              </a:rPr>
+              <a:t>G</a:t>
+            </a:r>
+          </a:p>
+        </p:txBody>
+      </p:sp>
+      <p:sp>
+        <p:nvSpPr>
+          <p:cNvPr id="20" name="Rectangle 19">
+            <a:extLst>
+              <a:ext uri="{FF2B5EF4-FFF2-40B4-BE49-F238E27FC236}">
+                <a16:creationId xmlns:a16="http://schemas.microsoft.com/office/drawing/2014/main" id="{2E1560ED-06FE-7F2C-7848-8A30C7D72153}"/>
+              </a:ext>
+            </a:extLst>
+          </p:cNvPr>
+          <p:cNvSpPr/>
+          <p:nvPr/>
+        </p:nvSpPr>
+        <p:spPr>
+          <a:xfrm>
+            <a:off x="6889375" y="4199963"/>
+            <a:ext cx="336176" cy="336177"/>
+          </a:xfrm>
+          <a:prstGeom prst="rect">
+            <a:avLst/>
+          </a:prstGeom>
+          <a:solidFill>
+            <a:schemeClr val="accent1">
+              <a:lumMod val="20000"/>
+              <a:lumOff val="80000"/>
+            </a:schemeClr>
+          </a:solidFill>
+          <a:ln w="19050">
+            <a:solidFill>
+              <a:schemeClr val="tx1"/>
+            </a:solidFill>
+          </a:ln>
+        </p:spPr>
+        <p:style>
+          <a:lnRef idx="2">
+            <a:schemeClr val="accent1">
+              <a:shade val="15000"/>
+            </a:schemeClr>
+          </a:lnRef>
+          <a:fillRef idx="1">
+            <a:schemeClr val="accent1"/>
+          </a:fillRef>
+          <a:effectRef idx="0">
+            <a:schemeClr val="accent1"/>
+          </a:effectRef>
+          <a:fontRef idx="minor">
+            <a:schemeClr val="lt1"/>
+          </a:fontRef>
+        </p:style>
+        <p:txBody>
+          <a:bodyPr rtlCol="0" anchor="ctr"/>
+          <a:lstStyle/>
+          <a:p>
+            <a:pPr algn="ctr"/>
+            <a:r>
+              <a:rPr lang="en-US" dirty="0">
+                <a:solidFill>
+                  <a:schemeClr val="tx1"/>
+                </a:solidFill>
+                <a:latin typeface="Arial" panose="020B0604020202020204" pitchFamily="34" charset="0"/>
+                <a:cs typeface="Arial" panose="020B0604020202020204" pitchFamily="34" charset="0"/>
+              </a:rPr>
+              <a:t>H</a:t>
+            </a:r>
+          </a:p>
+        </p:txBody>
+      </p:sp>
+      <p:sp>
+        <p:nvSpPr>
+          <p:cNvPr id="21" name="Rectangle 20">
+            <a:extLst>
+              <a:ext uri="{FF2B5EF4-FFF2-40B4-BE49-F238E27FC236}">
+                <a16:creationId xmlns:a16="http://schemas.microsoft.com/office/drawing/2014/main" id="{692BE951-5019-3466-6CC3-C05FE6F28BD7}"/>
+              </a:ext>
+            </a:extLst>
+          </p:cNvPr>
+          <p:cNvSpPr/>
+          <p:nvPr/>
+        </p:nvSpPr>
+        <p:spPr>
+          <a:xfrm>
+            <a:off x="8704732" y="4482350"/>
+            <a:ext cx="336176" cy="336177"/>
+          </a:xfrm>
+          <a:prstGeom prst="rect">
+            <a:avLst/>
+          </a:prstGeom>
+          <a:solidFill>
+            <a:schemeClr val="accent1">
+              <a:lumMod val="20000"/>
+              <a:lumOff val="80000"/>
+            </a:schemeClr>
+          </a:solidFill>
+          <a:ln w="19050">
+            <a:solidFill>
+              <a:schemeClr val="tx1"/>
+            </a:solidFill>
+          </a:ln>
+        </p:spPr>
+        <p:style>
+          <a:lnRef idx="2">
+            <a:schemeClr val="accent1">
+              <a:shade val="15000"/>
+            </a:schemeClr>
+          </a:lnRef>
+          <a:fillRef idx="1">
+            <a:schemeClr val="accent1"/>
+          </a:fillRef>
+          <a:effectRef idx="0">
+            <a:schemeClr val="accent1"/>
+          </a:effectRef>
+          <a:fontRef idx="minor">
+            <a:schemeClr val="lt1"/>
+          </a:fontRef>
+        </p:style>
+        <p:txBody>
+          <a:bodyPr rtlCol="0" anchor="ctr"/>
+          <a:lstStyle/>
+          <a:p>
+            <a:pPr algn="ctr"/>
+            <a:r>
+              <a:rPr lang="en-US" dirty="0">
+                <a:solidFill>
+                  <a:schemeClr val="tx1"/>
+                </a:solidFill>
+                <a:latin typeface="Arial" panose="020B0604020202020204" pitchFamily="34" charset="0"/>
+                <a:cs typeface="Arial" panose="020B0604020202020204" pitchFamily="34" charset="0"/>
+              </a:rPr>
+              <a:t>I</a:t>
+            </a:r>
+          </a:p>
+        </p:txBody>
+      </p:sp>
+      <p:sp>
+        <p:nvSpPr>
+          <p:cNvPr id="23" name="TextBox 22">
+            <a:extLst>
+              <a:ext uri="{FF2B5EF4-FFF2-40B4-BE49-F238E27FC236}">
+                <a16:creationId xmlns:a16="http://schemas.microsoft.com/office/drawing/2014/main" id="{E205284D-ED76-AC51-D806-9F3E83ACDC21}"/>
+              </a:ext>
+            </a:extLst>
+          </p:cNvPr>
+          <p:cNvSpPr txBox="1"/>
+          <p:nvPr/>
+        </p:nvSpPr>
+        <p:spPr>
+          <a:xfrm>
+            <a:off x="7363590" y="1367917"/>
+            <a:ext cx="3247060" cy="2554545"/>
+          </a:xfrm>
+          <a:prstGeom prst="rect">
+            <a:avLst/>
+          </a:prstGeom>
+          <a:solidFill>
+            <a:schemeClr val="accent1">
+              <a:lumMod val="20000"/>
+              <a:lumOff val="80000"/>
+            </a:schemeClr>
+          </a:solidFill>
+        </p:spPr>
+        <p:txBody>
+          <a:bodyPr wrap="square" rtlCol="0">
+            <a:spAutoFit/>
+          </a:bodyPr>
+          <a:lstStyle/>
+          <a:p>
+            <a:pPr marL="342900" indent="-342900">
+              <a:buAutoNum type="alphaUcParenR"/>
+            </a:pPr>
+            <a:r>
+              <a:rPr lang="en-US" sz="1600" dirty="0">
+                <a:latin typeface="Arial" panose="020B0604020202020204" pitchFamily="34" charset="0"/>
+                <a:cs typeface="Arial" panose="020B0604020202020204" pitchFamily="34" charset="0"/>
+              </a:rPr>
+              <a:t>Maya-Montebello</a:t>
+            </a:r>
+          </a:p>
+          <a:p>
+            <a:pPr marL="342900" indent="-342900">
+              <a:buAutoNum type="alphaUcParenR" startAt="2"/>
+            </a:pPr>
+            <a:r>
+              <a:rPr lang="en-US" sz="1600" dirty="0">
+                <a:latin typeface="Arial" panose="020B0604020202020204" pitchFamily="34" charset="0"/>
+                <a:cs typeface="Arial" panose="020B0604020202020204" pitchFamily="34" charset="0"/>
+              </a:rPr>
+              <a:t>San Román</a:t>
+            </a:r>
+          </a:p>
+          <a:p>
+            <a:pPr marL="342900" indent="-342900">
+              <a:buFontTx/>
+              <a:buAutoNum type="alphaUcParenR" startAt="2"/>
+            </a:pPr>
+            <a:r>
+              <a:rPr lang="en-US" sz="1600" dirty="0" err="1">
+                <a:latin typeface="Arial" panose="020B0604020202020204" pitchFamily="34" charset="0"/>
+                <a:cs typeface="Arial" panose="020B0604020202020204" pitchFamily="34" charset="0"/>
+              </a:rPr>
+              <a:t>Chiquibui</a:t>
+            </a:r>
+            <a:r>
+              <a:rPr lang="en-US" sz="1600" dirty="0">
+                <a:latin typeface="Arial" panose="020B0604020202020204" pitchFamily="34" charset="0"/>
+                <a:cs typeface="Arial" panose="020B0604020202020204" pitchFamily="34" charset="0"/>
+              </a:rPr>
+              <a:t>-Las Minas</a:t>
+            </a:r>
+          </a:p>
+          <a:p>
+            <a:pPr marL="342900" indent="-342900">
+              <a:buFontTx/>
+              <a:buAutoNum type="alphaUcParenR" startAt="2"/>
+            </a:pPr>
+            <a:r>
+              <a:rPr lang="en-US" sz="1600" dirty="0">
+                <a:latin typeface="Arial" panose="020B0604020202020204" pitchFamily="34" charset="0"/>
+                <a:cs typeface="Arial" panose="020B0604020202020204" pitchFamily="34" charset="0"/>
+              </a:rPr>
+              <a:t>El </a:t>
+            </a:r>
+            <a:r>
+              <a:rPr lang="en-US" sz="1600" dirty="0" err="1">
+                <a:latin typeface="Arial" panose="020B0604020202020204" pitchFamily="34" charset="0"/>
+                <a:cs typeface="Arial" panose="020B0604020202020204" pitchFamily="34" charset="0"/>
+              </a:rPr>
+              <a:t>Gancho</a:t>
+            </a:r>
+            <a:r>
+              <a:rPr lang="en-US" sz="1600" dirty="0">
+                <a:latin typeface="Arial" panose="020B0604020202020204" pitchFamily="34" charset="0"/>
+                <a:cs typeface="Arial" panose="020B0604020202020204" pitchFamily="34" charset="0"/>
+              </a:rPr>
+              <a:t> Murillo/</a:t>
+            </a:r>
+            <a:r>
+              <a:rPr lang="en-US" sz="1600" dirty="0" err="1">
+                <a:latin typeface="Arial" panose="020B0604020202020204" pitchFamily="34" charset="0"/>
+                <a:cs typeface="Arial" panose="020B0604020202020204" pitchFamily="34" charset="0"/>
+              </a:rPr>
+              <a:t>Manchón</a:t>
+            </a:r>
+            <a:r>
+              <a:rPr lang="en-US" sz="1600" dirty="0">
+                <a:latin typeface="Arial" panose="020B0604020202020204" pitchFamily="34" charset="0"/>
+                <a:cs typeface="Arial" panose="020B0604020202020204" pitchFamily="34" charset="0"/>
+              </a:rPr>
+              <a:t> </a:t>
+            </a:r>
+            <a:r>
+              <a:rPr lang="en-US" sz="1600" dirty="0" err="1">
+                <a:latin typeface="Arial" panose="020B0604020202020204" pitchFamily="34" charset="0"/>
+                <a:cs typeface="Arial" panose="020B0604020202020204" pitchFamily="34" charset="0"/>
+              </a:rPr>
+              <a:t>Guamuchal</a:t>
+            </a:r>
+            <a:endParaRPr lang="en-US" sz="1600" dirty="0">
+              <a:latin typeface="Arial" panose="020B0604020202020204" pitchFamily="34" charset="0"/>
+              <a:cs typeface="Arial" panose="020B0604020202020204" pitchFamily="34" charset="0"/>
+            </a:endParaRPr>
+          </a:p>
+          <a:p>
+            <a:pPr marL="342900" indent="-342900">
+              <a:buFontTx/>
+              <a:buAutoNum type="alphaUcParenR" startAt="2"/>
+            </a:pPr>
+            <a:r>
+              <a:rPr lang="en-US" sz="1600" dirty="0" err="1">
+                <a:latin typeface="Arial" panose="020B0604020202020204" pitchFamily="34" charset="0"/>
+                <a:cs typeface="Arial" panose="020B0604020202020204" pitchFamily="34" charset="0"/>
+              </a:rPr>
+              <a:t>Sipacate</a:t>
+            </a:r>
+            <a:r>
+              <a:rPr lang="en-US" sz="1600" dirty="0">
+                <a:latin typeface="Arial" panose="020B0604020202020204" pitchFamily="34" charset="0"/>
+                <a:cs typeface="Arial" panose="020B0604020202020204" pitchFamily="34" charset="0"/>
+              </a:rPr>
+              <a:t>-Naranjo</a:t>
+            </a:r>
+          </a:p>
+          <a:p>
+            <a:pPr marL="342900" indent="-342900">
+              <a:buFontTx/>
+              <a:buAutoNum type="alphaUcParenR" startAt="2"/>
+            </a:pPr>
+            <a:r>
+              <a:rPr lang="en-US" sz="1600" dirty="0" err="1">
+                <a:latin typeface="Arial" panose="020B0604020202020204" pitchFamily="34" charset="0"/>
+                <a:cs typeface="Arial" panose="020B0604020202020204" pitchFamily="34" charset="0"/>
+              </a:rPr>
+              <a:t>Plátano-Agalta</a:t>
+            </a:r>
+            <a:endParaRPr lang="en-US" sz="1600" dirty="0">
+              <a:latin typeface="Arial" panose="020B0604020202020204" pitchFamily="34" charset="0"/>
+              <a:cs typeface="Arial" panose="020B0604020202020204" pitchFamily="34" charset="0"/>
+            </a:endParaRPr>
+          </a:p>
+          <a:p>
+            <a:pPr marL="342900" indent="-342900">
+              <a:buFontTx/>
+              <a:buAutoNum type="alphaUcParenR" startAt="2"/>
+            </a:pPr>
+            <a:r>
+              <a:rPr lang="en-US" sz="1600" dirty="0">
+                <a:latin typeface="Arial" panose="020B0604020202020204" pitchFamily="34" charset="0"/>
+                <a:cs typeface="Arial" panose="020B0604020202020204" pitchFamily="34" charset="0"/>
+              </a:rPr>
+              <a:t>Indio </a:t>
+            </a:r>
+            <a:r>
+              <a:rPr lang="en-US" sz="1600" dirty="0" err="1">
+                <a:latin typeface="Arial" panose="020B0604020202020204" pitchFamily="34" charset="0"/>
+                <a:cs typeface="Arial" panose="020B0604020202020204" pitchFamily="34" charset="0"/>
+              </a:rPr>
+              <a:t>Maíz</a:t>
+            </a:r>
+            <a:r>
+              <a:rPr lang="en-US" sz="1600" dirty="0">
+                <a:latin typeface="Arial" panose="020B0604020202020204" pitchFamily="34" charset="0"/>
+                <a:cs typeface="Arial" panose="020B0604020202020204" pitchFamily="34" charset="0"/>
+              </a:rPr>
+              <a:t>-Braulio Carrillo</a:t>
+            </a:r>
+          </a:p>
+          <a:p>
+            <a:pPr marL="342900" indent="-342900">
+              <a:buFontTx/>
+              <a:buAutoNum type="alphaUcParenR" startAt="2"/>
+            </a:pPr>
+            <a:r>
+              <a:rPr lang="en-US" sz="1600" dirty="0" err="1">
+                <a:latin typeface="Arial" panose="020B0604020202020204" pitchFamily="34" charset="0"/>
+                <a:cs typeface="Arial" panose="020B0604020202020204" pitchFamily="34" charset="0"/>
+              </a:rPr>
+              <a:t>AmistOsa</a:t>
+            </a:r>
+            <a:r>
+              <a:rPr lang="en-US" sz="1600" dirty="0">
+                <a:latin typeface="Arial" panose="020B0604020202020204" pitchFamily="34" charset="0"/>
+                <a:cs typeface="Arial" panose="020B0604020202020204" pitchFamily="34" charset="0"/>
+              </a:rPr>
+              <a:t>/Palo-Seco Amistad</a:t>
+            </a:r>
+          </a:p>
+          <a:p>
+            <a:pPr marL="342900" indent="-342900">
+              <a:buFontTx/>
+              <a:buAutoNum type="alphaUcParenR" startAt="2"/>
+            </a:pPr>
+            <a:r>
+              <a:rPr lang="en-US" sz="1600" dirty="0">
+                <a:latin typeface="Arial" panose="020B0604020202020204" pitchFamily="34" charset="0"/>
+                <a:cs typeface="Arial" panose="020B0604020202020204" pitchFamily="34" charset="0"/>
+              </a:rPr>
+              <a:t>Darién</a:t>
+            </a:r>
+          </a:p>
+        </p:txBody>
+      </p:sp>
+    </p:spTree>
+    <p:extLst>
+      <p:ext uri="{BB962C8B-B14F-4D97-AF65-F5344CB8AC3E}">
+        <p14:creationId xmlns:p14="http://schemas.microsoft.com/office/powerpoint/2010/main" val="2659392944"/>
+      </p:ext>
+    </p:extLst>
+  </p:cSld>
+  <p:clrMapOvr>
+    <a:masterClrMapping/>
+  </p:clrMapOvr>
+</p:sld>
+</file>
+
 <file path=ppt/slides/slide2.xml><?xml version="1.0" encoding="utf-8"?>
 <p:sld xmlns:a="http://schemas.openxmlformats.org/drawingml/2006/main" xmlns:r="http://schemas.openxmlformats.org/officeDocument/2006/relationships" xmlns:p="http://schemas.openxmlformats.org/presentationml/2006/main">
   <p:cSld>
